--- a/Slides/628module3_Slides.pptx
+++ b/Slides/628module3_Slides.pptx
@@ -5,7 +5,7 @@
     <p:sldMasterId id="2147483648" r:id="rId1"/>
   </p:sldMasterIdLst>
   <p:notesMasterIdLst>
-    <p:notesMasterId r:id="rId19"/>
+    <p:notesMasterId r:id="rId24"/>
   </p:notesMasterIdLst>
   <p:sldIdLst>
     <p:sldId id="256" r:id="rId2"/>
@@ -18,13 +18,18 @@
     <p:sldId id="275" r:id="rId9"/>
     <p:sldId id="276" r:id="rId10"/>
     <p:sldId id="277" r:id="rId11"/>
-    <p:sldId id="268" r:id="rId12"/>
-    <p:sldId id="278" r:id="rId13"/>
-    <p:sldId id="279" r:id="rId14"/>
-    <p:sldId id="280" r:id="rId15"/>
-    <p:sldId id="281" r:id="rId16"/>
-    <p:sldId id="260" r:id="rId17"/>
-    <p:sldId id="282" r:id="rId18"/>
+    <p:sldId id="285" r:id="rId12"/>
+    <p:sldId id="287" r:id="rId13"/>
+    <p:sldId id="268" r:id="rId14"/>
+    <p:sldId id="283" r:id="rId15"/>
+    <p:sldId id="284" r:id="rId16"/>
+    <p:sldId id="278" r:id="rId17"/>
+    <p:sldId id="279" r:id="rId18"/>
+    <p:sldId id="280" r:id="rId19"/>
+    <p:sldId id="281" r:id="rId20"/>
+    <p:sldId id="260" r:id="rId21"/>
+    <p:sldId id="282" r:id="rId22"/>
+    <p:sldId id="286" r:id="rId23"/>
   </p:sldIdLst>
   <p:sldSz cx="12192000" cy="6858000"/>
   <p:notesSz cx="6858000" cy="9144000"/>
@@ -218,7 +223,7 @@
             <a:fld id="{2B0A0E8B-0D2C-6F43-858D-D529B3CB624C}" type="datetimeFigureOut">
               <a:rPr kumimoji="1" lang="zh-CN" altLang="en-US" smtClean="0"/>
               <a:pPr/>
-              <a:t>2020/12/1</a:t>
+              <a:t>2020/12/2</a:t>
             </a:fld>
             <a:endParaRPr kumimoji="1" lang="zh-CN" altLang="en-US" dirty="0"/>
           </a:p>
@@ -562,7 +567,7 @@
             <a:fld id="{B290F318-1A95-7E4A-A4D4-76DAF0F86AED}" type="datetimeFigureOut">
               <a:rPr kumimoji="1" lang="zh-CN" altLang="en-US" smtClean="0"/>
               <a:pPr/>
-              <a:t>2020/12/1</a:t>
+              <a:t>2020/12/2</a:t>
             </a:fld>
             <a:endParaRPr kumimoji="1" lang="zh-CN" altLang="en-US" dirty="0"/>
           </a:p>
@@ -790,7 +795,7 @@
             <a:fld id="{B290F318-1A95-7E4A-A4D4-76DAF0F86AED}" type="datetimeFigureOut">
               <a:rPr kumimoji="1" lang="zh-CN" altLang="en-US" smtClean="0"/>
               <a:pPr/>
-              <a:t>2020/12/1</a:t>
+              <a:t>2020/12/2</a:t>
             </a:fld>
             <a:endParaRPr kumimoji="1" lang="zh-CN" altLang="en-US" dirty="0"/>
           </a:p>
@@ -1028,7 +1033,7 @@
             <a:fld id="{B290F318-1A95-7E4A-A4D4-76DAF0F86AED}" type="datetimeFigureOut">
               <a:rPr kumimoji="1" lang="zh-CN" altLang="en-US" smtClean="0"/>
               <a:pPr/>
-              <a:t>2020/12/1</a:t>
+              <a:t>2020/12/2</a:t>
             </a:fld>
             <a:endParaRPr kumimoji="1" lang="zh-CN" altLang="en-US" dirty="0"/>
           </a:p>
@@ -1256,7 +1261,7 @@
             <a:fld id="{B290F318-1A95-7E4A-A4D4-76DAF0F86AED}" type="datetimeFigureOut">
               <a:rPr kumimoji="1" lang="zh-CN" altLang="en-US" smtClean="0"/>
               <a:pPr/>
-              <a:t>2020/12/1</a:t>
+              <a:t>2020/12/2</a:t>
             </a:fld>
             <a:endParaRPr kumimoji="1" lang="zh-CN" altLang="en-US" dirty="0"/>
           </a:p>
@@ -1545,7 +1550,7 @@
             <a:fld id="{B290F318-1A95-7E4A-A4D4-76DAF0F86AED}" type="datetimeFigureOut">
               <a:rPr kumimoji="1" lang="zh-CN" altLang="en-US" smtClean="0"/>
               <a:pPr/>
-              <a:t>2020/12/1</a:t>
+              <a:t>2020/12/2</a:t>
             </a:fld>
             <a:endParaRPr kumimoji="1" lang="zh-CN" altLang="en-US" dirty="0"/>
           </a:p>
@@ -1856,7 +1861,7 @@
             <a:fld id="{B290F318-1A95-7E4A-A4D4-76DAF0F86AED}" type="datetimeFigureOut">
               <a:rPr kumimoji="1" lang="zh-CN" altLang="en-US" smtClean="0"/>
               <a:pPr/>
-              <a:t>2020/12/1</a:t>
+              <a:t>2020/12/2</a:t>
             </a:fld>
             <a:endParaRPr kumimoji="1" lang="zh-CN" altLang="en-US" dirty="0"/>
           </a:p>
@@ -2314,7 +2319,7 @@
             <a:fld id="{B290F318-1A95-7E4A-A4D4-76DAF0F86AED}" type="datetimeFigureOut">
               <a:rPr kumimoji="1" lang="zh-CN" altLang="en-US" smtClean="0"/>
               <a:pPr/>
-              <a:t>2020/12/1</a:t>
+              <a:t>2020/12/2</a:t>
             </a:fld>
             <a:endParaRPr kumimoji="1" lang="zh-CN" altLang="en-US" dirty="0"/>
           </a:p>
@@ -2469,7 +2474,7 @@
             <a:fld id="{B290F318-1A95-7E4A-A4D4-76DAF0F86AED}" type="datetimeFigureOut">
               <a:rPr kumimoji="1" lang="zh-CN" altLang="en-US" smtClean="0"/>
               <a:pPr/>
-              <a:t>2020/12/1</a:t>
+              <a:t>2020/12/2</a:t>
             </a:fld>
             <a:endParaRPr kumimoji="1" lang="zh-CN" altLang="en-US" dirty="0"/>
           </a:p>
@@ -2596,7 +2601,7 @@
             <a:fld id="{B290F318-1A95-7E4A-A4D4-76DAF0F86AED}" type="datetimeFigureOut">
               <a:rPr kumimoji="1" lang="zh-CN" altLang="en-US" smtClean="0"/>
               <a:pPr/>
-              <a:t>2020/12/1</a:t>
+              <a:t>2020/12/2</a:t>
             </a:fld>
             <a:endParaRPr kumimoji="1" lang="zh-CN" altLang="en-US" dirty="0"/>
           </a:p>
@@ -2921,7 +2926,7 @@
             <a:fld id="{B290F318-1A95-7E4A-A4D4-76DAF0F86AED}" type="datetimeFigureOut">
               <a:rPr kumimoji="1" lang="zh-CN" altLang="en-US" smtClean="0"/>
               <a:pPr/>
-              <a:t>2020/12/1</a:t>
+              <a:t>2020/12/2</a:t>
             </a:fld>
             <a:endParaRPr kumimoji="1" lang="zh-CN" altLang="en-US" dirty="0"/>
           </a:p>
@@ -3223,7 +3228,7 @@
             <a:fld id="{B290F318-1A95-7E4A-A4D4-76DAF0F86AED}" type="datetimeFigureOut">
               <a:rPr kumimoji="1" lang="zh-CN" altLang="en-US" smtClean="0"/>
               <a:pPr/>
-              <a:t>2020/12/1</a:t>
+              <a:t>2020/12/2</a:t>
             </a:fld>
             <a:endParaRPr kumimoji="1" lang="zh-CN" altLang="en-US" dirty="0"/>
           </a:p>
@@ -3475,7 +3480,7 @@
             <a:fld id="{B290F318-1A95-7E4A-A4D4-76DAF0F86AED}" type="datetimeFigureOut">
               <a:rPr kumimoji="1" lang="zh-CN" altLang="en-US" smtClean="0"/>
               <a:pPr/>
-              <a:t>2020/12/1</a:t>
+              <a:t>2020/12/2</a:t>
             </a:fld>
             <a:endParaRPr kumimoji="1" lang="zh-CN" altLang="en-US" dirty="0"/>
           </a:p>
@@ -4130,7 +4135,7 @@
           <p:cNvPr id="2" name="标题 1">
             <a:extLst>
               <a:ext uri="{FF2B5EF4-FFF2-40B4-BE49-F238E27FC236}">
-                <a16:creationId xmlns:a16="http://schemas.microsoft.com/office/drawing/2014/main" id="{A615F081-2878-5F49-968F-A8F9D2C993A3}"/>
+                <a16:creationId xmlns:a16="http://schemas.microsoft.com/office/drawing/2014/main" id="{AFA519D1-76E5-D141-ADED-789EAF850954}"/>
               </a:ext>
             </a:extLst>
           </p:cNvPr>
@@ -4141,7 +4146,12 @@
             <p:ph type="title"/>
           </p:nvPr>
         </p:nvSpPr>
-        <p:spPr/>
+        <p:spPr>
+          <a:xfrm>
+            <a:off x="637711" y="348510"/>
+            <a:ext cx="10849993" cy="1444779"/>
+          </a:xfrm>
+        </p:spPr>
         <p:txBody>
           <a:bodyPr>
             <a:normAutofit/>
@@ -4149,11 +4159,11 @@
           <a:lstStyle/>
           <a:p>
             <a:r>
-              <a:rPr kumimoji="1" lang="en-US" altLang="zh-CN" b="1" dirty="0">
-                <a:latin typeface="Times New Roman" panose="02020603050405020304" pitchFamily="18" charset="0"/>
-                <a:cs typeface="Times New Roman" panose="02020603050405020304" pitchFamily="18" charset="0"/>
-              </a:rPr>
-              <a:t>3. Insights &amp; Action Plan</a:t>
+              <a:rPr kumimoji="1" lang="en-US" altLang="zh-CN" sz="4900" b="1" dirty="0">
+                <a:latin typeface="Times New Roman" panose="02020603050405020304" pitchFamily="18" charset="0"/>
+                <a:cs typeface="Times New Roman" panose="02020603050405020304" pitchFamily="18" charset="0"/>
+              </a:rPr>
+              <a:t>2. Statistical Analysis</a:t>
             </a:r>
             <a:br>
               <a:rPr kumimoji="1" lang="en-US" altLang="zh-CN" b="1" dirty="0">
@@ -4166,14 +4176,7 @@
                 <a:latin typeface="Times New Roman" panose="02020603050405020304" pitchFamily="18" charset="0"/>
                 <a:cs typeface="Times New Roman" panose="02020603050405020304" pitchFamily="18" charset="0"/>
               </a:rPr>
-              <a:t>3.1 </a:t>
-            </a:r>
-            <a:r>
-              <a:rPr kumimoji="1" lang="en-US" sz="3600" b="1" dirty="0">
-                <a:latin typeface="Times New Roman" panose="02020603050405020304" pitchFamily="18" charset="0"/>
-                <a:cs typeface="Times New Roman" panose="02020603050405020304" pitchFamily="18" charset="0"/>
-              </a:rPr>
-              <a:t>Overall Ratings</a:t>
+              <a:t>2.4 Model Fitting</a:t>
             </a:r>
             <a:endParaRPr kumimoji="1" lang="zh-CN" altLang="en-US" b="1" dirty="0">
               <a:latin typeface="Times New Roman" panose="02020603050405020304" pitchFamily="18" charset="0"/>
@@ -4182,274 +4185,182 @@
           </a:p>
         </p:txBody>
       </p:sp>
-      <p:pic>
-        <p:nvPicPr>
-          <p:cNvPr id="9" name="Content Placeholder 8" descr="Chart, bar chart, histogram&#10;&#10;Description automatically generated">
-            <a:extLst>
-              <a:ext uri="{FF2B5EF4-FFF2-40B4-BE49-F238E27FC236}">
-                <a16:creationId xmlns:a16="http://schemas.microsoft.com/office/drawing/2014/main" id="{EF4F3323-200D-4CEA-A513-AC231205DB06}"/>
-              </a:ext>
-            </a:extLst>
-          </p:cNvPr>
-          <p:cNvPicPr>
-            <a:picLocks noGrp="1" noChangeAspect="1"/>
-          </p:cNvPicPr>
-          <p:nvPr>
-            <p:ph idx="1"/>
-          </p:nvPr>
-        </p:nvPicPr>
-        <p:blipFill>
-          <a:blip r:embed="rId2"/>
-          <a:stretch>
-            <a:fillRect/>
-          </a:stretch>
-        </p:blipFill>
+      <p:sp>
+        <p:nvSpPr>
+          <p:cNvPr id="5" name="文本框 4">
+            <a:extLst>
+              <a:ext uri="{FF2B5EF4-FFF2-40B4-BE49-F238E27FC236}">
+                <a16:creationId xmlns:a16="http://schemas.microsoft.com/office/drawing/2014/main" id="{498E3FF1-8780-4BFE-8226-6BC8FD385EFB}"/>
+              </a:ext>
+            </a:extLst>
+          </p:cNvPr>
+          <p:cNvSpPr txBox="1"/>
+          <p:nvPr/>
+        </p:nvSpPr>
         <p:spPr>
           <a:xfrm>
-            <a:off x="6160624" y="2203970"/>
-            <a:ext cx="4228186" cy="4351338"/>
-          </a:xfrm>
-        </p:spPr>
-      </p:pic>
-      <p:pic>
-        <p:nvPicPr>
-          <p:cNvPr id="10" name="Picture 9">
-            <a:extLst>
-              <a:ext uri="{FF2B5EF4-FFF2-40B4-BE49-F238E27FC236}">
-                <a16:creationId xmlns:a16="http://schemas.microsoft.com/office/drawing/2014/main" id="{CEFF983B-7986-4D8B-A81F-220B4472CB0F}"/>
-              </a:ext>
-            </a:extLst>
-          </p:cNvPr>
-          <p:cNvPicPr>
-            <a:picLocks noChangeAspect="1"/>
-          </p:cNvPicPr>
-          <p:nvPr/>
-        </p:nvPicPr>
-        <p:blipFill>
-          <a:blip r:embed="rId3"/>
-          <a:stretch>
-            <a:fillRect/>
-          </a:stretch>
-        </p:blipFill>
-        <p:spPr>
-          <a:xfrm>
-            <a:off x="971365" y="2421979"/>
-            <a:ext cx="4486901" cy="3915321"/>
+            <a:off x="868218" y="2309091"/>
+            <a:ext cx="9727022" cy="3970318"/>
           </a:xfrm>
           <a:prstGeom prst="rect">
             <a:avLst/>
           </a:prstGeom>
+          <a:noFill/>
         </p:spPr>
-      </p:pic>
-      <p:sp>
-        <p:nvSpPr>
-          <p:cNvPr id="11" name="Content Placeholder 2">
-            <a:extLst>
-              <a:ext uri="{FF2B5EF4-FFF2-40B4-BE49-F238E27FC236}">
-                <a16:creationId xmlns:a16="http://schemas.microsoft.com/office/drawing/2014/main" id="{EF24A5EE-35E2-4E80-AE08-C82DEC972C47}"/>
-              </a:ext>
-            </a:extLst>
-          </p:cNvPr>
-          <p:cNvSpPr txBox="1">
-            <a:spLocks/>
-          </p:cNvSpPr>
-          <p:nvPr/>
-        </p:nvSpPr>
-        <p:spPr>
-          <a:xfrm>
-            <a:off x="575568" y="1705807"/>
-            <a:ext cx="10515600" cy="4351338"/>
-          </a:xfrm>
-          <a:prstGeom prst="rect">
-            <a:avLst/>
-          </a:prstGeom>
-        </p:spPr>
-        <p:txBody>
-          <a:bodyPr vert="horz" lIns="91440" tIns="45720" rIns="91440" bIns="45720" rtlCol="0">
-            <a:normAutofit/>
+        <p:txBody>
+          <a:bodyPr wrap="none" rtlCol="0">
+            <a:spAutoFit/>
           </a:bodyPr>
-          <a:lstStyle>
-            <a:lvl1pPr marL="228600" indent="-228600" algn="l" defTabSz="914400" rtl="0" eaLnBrk="1" latinLnBrk="0" hangingPunct="1">
-              <a:lnSpc>
-                <a:spcPct val="90000"/>
-              </a:lnSpc>
-              <a:spcBef>
-                <a:spcPts val="1000"/>
-              </a:spcBef>
-              <a:buFont typeface="Arial" panose="020B0604020202020204" pitchFamily="34" charset="0"/>
-              <a:buChar char="•"/>
-              <a:defRPr sz="2800" b="0" i="0" kern="1200">
-                <a:solidFill>
-                  <a:schemeClr val="tx1"/>
-                </a:solidFill>
-                <a:latin typeface="Times New Roman" panose="02020603050405020304" pitchFamily="18" charset="0"/>
-                <a:ea typeface="+mn-ea"/>
-                <a:cs typeface="+mn-cs"/>
-              </a:defRPr>
-            </a:lvl1pPr>
-            <a:lvl2pPr marL="685800" indent="-228600" algn="l" defTabSz="914400" rtl="0" eaLnBrk="1" latinLnBrk="0" hangingPunct="1">
-              <a:lnSpc>
-                <a:spcPct val="90000"/>
-              </a:lnSpc>
-              <a:spcBef>
-                <a:spcPts val="500"/>
-              </a:spcBef>
-              <a:buFont typeface="Arial" panose="020B0604020202020204" pitchFamily="34" charset="0"/>
-              <a:buChar char="•"/>
-              <a:defRPr sz="2400" b="0" i="0" kern="1200">
-                <a:solidFill>
-                  <a:schemeClr val="tx1"/>
-                </a:solidFill>
-                <a:latin typeface="Times New Roman" panose="02020603050405020304" pitchFamily="18" charset="0"/>
-                <a:ea typeface="+mn-ea"/>
-                <a:cs typeface="+mn-cs"/>
-              </a:defRPr>
-            </a:lvl2pPr>
-            <a:lvl3pPr marL="1143000" indent="-228600" algn="l" defTabSz="914400" rtl="0" eaLnBrk="1" latinLnBrk="0" hangingPunct="1">
-              <a:lnSpc>
-                <a:spcPct val="90000"/>
-              </a:lnSpc>
-              <a:spcBef>
-                <a:spcPts val="500"/>
-              </a:spcBef>
-              <a:buFont typeface="Arial" panose="020B0604020202020204" pitchFamily="34" charset="0"/>
-              <a:buChar char="•"/>
-              <a:defRPr sz="2000" b="0" i="0" kern="1200">
-                <a:solidFill>
-                  <a:schemeClr val="tx1"/>
-                </a:solidFill>
-                <a:latin typeface="Times New Roman" panose="02020603050405020304" pitchFamily="18" charset="0"/>
-                <a:ea typeface="+mn-ea"/>
-                <a:cs typeface="+mn-cs"/>
-              </a:defRPr>
-            </a:lvl3pPr>
-            <a:lvl4pPr marL="1600200" indent="-228600" algn="l" defTabSz="914400" rtl="0" eaLnBrk="1" latinLnBrk="0" hangingPunct="1">
-              <a:lnSpc>
-                <a:spcPct val="90000"/>
-              </a:lnSpc>
-              <a:spcBef>
-                <a:spcPts val="500"/>
-              </a:spcBef>
-              <a:buFont typeface="Arial" panose="020B0604020202020204" pitchFamily="34" charset="0"/>
-              <a:buChar char="•"/>
-              <a:defRPr sz="1800" b="0" i="0" kern="1200">
-                <a:solidFill>
-                  <a:schemeClr val="tx1"/>
-                </a:solidFill>
-                <a:latin typeface="Times New Roman" panose="02020603050405020304" pitchFamily="18" charset="0"/>
-                <a:ea typeface="+mn-ea"/>
-                <a:cs typeface="+mn-cs"/>
-              </a:defRPr>
-            </a:lvl4pPr>
-            <a:lvl5pPr marL="2057400" indent="-228600" algn="l" defTabSz="914400" rtl="0" eaLnBrk="1" latinLnBrk="0" hangingPunct="1">
-              <a:lnSpc>
-                <a:spcPct val="90000"/>
-              </a:lnSpc>
-              <a:spcBef>
-                <a:spcPts val="500"/>
-              </a:spcBef>
-              <a:buFont typeface="Arial" panose="020B0604020202020204" pitchFamily="34" charset="0"/>
-              <a:buChar char="•"/>
-              <a:defRPr sz="1800" b="0" i="0" kern="1200">
-                <a:solidFill>
-                  <a:schemeClr val="tx1"/>
-                </a:solidFill>
-                <a:latin typeface="Times New Roman" panose="02020603050405020304" pitchFamily="18" charset="0"/>
-                <a:ea typeface="+mn-ea"/>
-                <a:cs typeface="+mn-cs"/>
-              </a:defRPr>
-            </a:lvl5pPr>
-            <a:lvl6pPr marL="2514600" indent="-228600" algn="l" defTabSz="914400" rtl="0" eaLnBrk="1" latinLnBrk="0" hangingPunct="1">
-              <a:lnSpc>
-                <a:spcPct val="90000"/>
-              </a:lnSpc>
-              <a:spcBef>
-                <a:spcPts val="500"/>
-              </a:spcBef>
-              <a:buFont typeface="Arial" panose="020B0604020202020204" pitchFamily="34" charset="0"/>
-              <a:buChar char="•"/>
-              <a:defRPr sz="1800" kern="1200">
-                <a:solidFill>
-                  <a:schemeClr val="tx1"/>
-                </a:solidFill>
-                <a:latin typeface="+mn-lt"/>
-                <a:ea typeface="+mn-ea"/>
-                <a:cs typeface="+mn-cs"/>
-              </a:defRPr>
-            </a:lvl6pPr>
-            <a:lvl7pPr marL="2971800" indent="-228600" algn="l" defTabSz="914400" rtl="0" eaLnBrk="1" latinLnBrk="0" hangingPunct="1">
-              <a:lnSpc>
-                <a:spcPct val="90000"/>
-              </a:lnSpc>
-              <a:spcBef>
-                <a:spcPts val="500"/>
-              </a:spcBef>
-              <a:buFont typeface="Arial" panose="020B0604020202020204" pitchFamily="34" charset="0"/>
-              <a:buChar char="•"/>
-              <a:defRPr sz="1800" kern="1200">
-                <a:solidFill>
-                  <a:schemeClr val="tx1"/>
-                </a:solidFill>
-                <a:latin typeface="+mn-lt"/>
-                <a:ea typeface="+mn-ea"/>
-                <a:cs typeface="+mn-cs"/>
-              </a:defRPr>
-            </a:lvl7pPr>
-            <a:lvl8pPr marL="3429000" indent="-228600" algn="l" defTabSz="914400" rtl="0" eaLnBrk="1" latinLnBrk="0" hangingPunct="1">
-              <a:lnSpc>
-                <a:spcPct val="90000"/>
-              </a:lnSpc>
-              <a:spcBef>
-                <a:spcPts val="500"/>
-              </a:spcBef>
-              <a:buFont typeface="Arial" panose="020B0604020202020204" pitchFamily="34" charset="0"/>
-              <a:buChar char="•"/>
-              <a:defRPr sz="1800" kern="1200">
-                <a:solidFill>
-                  <a:schemeClr val="tx1"/>
-                </a:solidFill>
-                <a:latin typeface="+mn-lt"/>
-                <a:ea typeface="+mn-ea"/>
-                <a:cs typeface="+mn-cs"/>
-              </a:defRPr>
-            </a:lvl8pPr>
-            <a:lvl9pPr marL="3886200" indent="-228600" algn="l" defTabSz="914400" rtl="0" eaLnBrk="1" latinLnBrk="0" hangingPunct="1">
-              <a:lnSpc>
-                <a:spcPct val="90000"/>
-              </a:lnSpc>
-              <a:spcBef>
-                <a:spcPts val="500"/>
-              </a:spcBef>
-              <a:buFont typeface="Arial" panose="020B0604020202020204" pitchFamily="34" charset="0"/>
-              <a:buChar char="•"/>
-              <a:defRPr sz="1800" kern="1200">
-                <a:solidFill>
-                  <a:schemeClr val="tx1"/>
-                </a:solidFill>
-                <a:latin typeface="+mn-lt"/>
-                <a:ea typeface="+mn-ea"/>
-                <a:cs typeface="+mn-cs"/>
-              </a:defRPr>
-            </a:lvl9pPr>
-          </a:lstStyle>
-          <a:p>
-            <a:r>
-              <a:rPr lang="en-US" dirty="0"/>
-              <a:t>Example: Meatheads at 1305 S Neil St</a:t>
-            </a:r>
-          </a:p>
-          <a:p>
-            <a:endParaRPr lang="en-US" dirty="0"/>
-          </a:p>
-          <a:p>
-            <a:endParaRPr lang="en-US" dirty="0"/>
+          <a:lstStyle/>
+          <a:p>
+            <a:r>
+              <a:rPr kumimoji="1" lang="en-US" altLang="zh-CN" sz="3600" b="1" dirty="0">
+                <a:latin typeface="Times New Roman" panose="02020603050405020304" pitchFamily="18" charset="0"/>
+                <a:ea typeface="+mj-ea"/>
+                <a:cs typeface="Times New Roman" panose="02020603050405020304" pitchFamily="18" charset="0"/>
+              </a:rPr>
+              <a:t>30 indicator words into 4</a:t>
+            </a:r>
+            <a:r>
+              <a:rPr lang="en-US" altLang="zh-CN" dirty="0"/>
+              <a:t> </a:t>
+            </a:r>
+            <a:r>
+              <a:rPr kumimoji="1" lang="en-US" altLang="zh-CN" sz="3600" b="1" dirty="0">
+                <a:latin typeface="Times New Roman" panose="02020603050405020304" pitchFamily="18" charset="0"/>
+                <a:ea typeface="+mj-ea"/>
+                <a:cs typeface="Times New Roman" panose="02020603050405020304" pitchFamily="18" charset="0"/>
+              </a:rPr>
+              <a:t>dimensions.</a:t>
+            </a:r>
+          </a:p>
+          <a:p>
+            <a:endParaRPr kumimoji="1" lang="en-US" altLang="zh-CN" sz="3600" b="1" dirty="0">
+              <a:latin typeface="Times New Roman" panose="02020603050405020304" pitchFamily="18" charset="0"/>
+              <a:ea typeface="+mj-ea"/>
+              <a:cs typeface="Times New Roman" panose="02020603050405020304" pitchFamily="18" charset="0"/>
+            </a:endParaRPr>
+          </a:p>
+          <a:p>
+            <a:r>
+              <a:rPr kumimoji="1" lang="en-US" altLang="zh-CN" sz="3600" b="1" dirty="0">
+                <a:solidFill>
+                  <a:srgbClr val="002060"/>
+                </a:solidFill>
+                <a:latin typeface="Times New Roman" panose="02020603050405020304" pitchFamily="18" charset="0"/>
+                <a:ea typeface="+mj-ea"/>
+                <a:cs typeface="Times New Roman" panose="02020603050405020304" pitchFamily="18" charset="0"/>
+              </a:rPr>
+              <a:t>FOOD:  </a:t>
+            </a:r>
+            <a:r>
+              <a:rPr kumimoji="1" lang="en-US" altLang="zh-CN" sz="3600" b="1" dirty="0">
+                <a:solidFill>
+                  <a:srgbClr val="C00000"/>
+                </a:solidFill>
+                <a:latin typeface="Times New Roman" panose="02020603050405020304" pitchFamily="18" charset="0"/>
+                <a:ea typeface="+mj-ea"/>
+                <a:cs typeface="Times New Roman" panose="02020603050405020304" pitchFamily="18" charset="0"/>
+              </a:rPr>
+              <a:t>cold, awful, mediocre, etc.</a:t>
+            </a:r>
+          </a:p>
+          <a:p>
+            <a:r>
+              <a:rPr kumimoji="1" lang="en-US" altLang="zh-CN" sz="3600" b="1" dirty="0">
+                <a:solidFill>
+                  <a:srgbClr val="002060"/>
+                </a:solidFill>
+                <a:latin typeface="Times New Roman" panose="02020603050405020304" pitchFamily="18" charset="0"/>
+                <a:ea typeface="+mj-ea"/>
+                <a:cs typeface="Times New Roman" panose="02020603050405020304" pitchFamily="18" charset="0"/>
+              </a:rPr>
+              <a:t>ENVIRONMENT:</a:t>
+            </a:r>
+            <a:r>
+              <a:rPr kumimoji="1" lang="zh-CN" altLang="en-US" sz="3600" b="1" dirty="0">
+                <a:solidFill>
+                  <a:srgbClr val="002060"/>
+                </a:solidFill>
+                <a:latin typeface="Times New Roman" panose="02020603050405020304" pitchFamily="18" charset="0"/>
+                <a:ea typeface="+mj-ea"/>
+                <a:cs typeface="Times New Roman" panose="02020603050405020304" pitchFamily="18" charset="0"/>
+              </a:rPr>
+              <a:t> </a:t>
+            </a:r>
+            <a:r>
+              <a:rPr kumimoji="1" lang="en-US" altLang="zh-CN" sz="3600" b="1" dirty="0">
+                <a:solidFill>
+                  <a:srgbClr val="C00000"/>
+                </a:solidFill>
+                <a:latin typeface="Times New Roman" panose="02020603050405020304" pitchFamily="18" charset="0"/>
+                <a:ea typeface="+mj-ea"/>
+                <a:cs typeface="Times New Roman" panose="02020603050405020304" pitchFamily="18" charset="0"/>
+              </a:rPr>
+              <a:t>dirty, filthy, stale, etc.</a:t>
+            </a:r>
+          </a:p>
+          <a:p>
+            <a:r>
+              <a:rPr kumimoji="1" lang="en-US" altLang="zh-CN" sz="3600" b="1" dirty="0">
+                <a:solidFill>
+                  <a:srgbClr val="002060"/>
+                </a:solidFill>
+                <a:latin typeface="Times New Roman" panose="02020603050405020304" pitchFamily="18" charset="0"/>
+                <a:ea typeface="+mj-ea"/>
+                <a:cs typeface="Times New Roman" panose="02020603050405020304" pitchFamily="18" charset="0"/>
+              </a:rPr>
+              <a:t>SERVICE: </a:t>
+            </a:r>
+            <a:r>
+              <a:rPr kumimoji="1" lang="en-US" altLang="zh-CN" sz="3600" b="1" dirty="0">
+                <a:solidFill>
+                  <a:srgbClr val="C00000"/>
+                </a:solidFill>
+                <a:latin typeface="Times New Roman" panose="02020603050405020304" pitchFamily="18" charset="0"/>
+                <a:ea typeface="+mj-ea"/>
+                <a:cs typeface="Times New Roman" panose="02020603050405020304" pitchFamily="18" charset="0"/>
+              </a:rPr>
+              <a:t>rude, unfriendly, unprofessional, etc.</a:t>
+            </a:r>
+          </a:p>
+          <a:p>
+            <a:r>
+              <a:rPr kumimoji="1" lang="en-US" altLang="zh-CN" sz="3600" b="1" dirty="0">
+                <a:solidFill>
+                  <a:srgbClr val="002060"/>
+                </a:solidFill>
+                <a:latin typeface="Times New Roman" panose="02020603050405020304" pitchFamily="18" charset="0"/>
+                <a:ea typeface="+mj-ea"/>
+                <a:cs typeface="Times New Roman" panose="02020603050405020304" pitchFamily="18" charset="0"/>
+              </a:rPr>
+              <a:t>ETHNICITY: </a:t>
+            </a:r>
+            <a:r>
+              <a:rPr kumimoji="1" lang="en-US" altLang="zh-CN" sz="3600" b="1" dirty="0">
+                <a:solidFill>
+                  <a:srgbClr val="C00000"/>
+                </a:solidFill>
+                <a:latin typeface="Times New Roman" panose="02020603050405020304" pitchFamily="18" charset="0"/>
+                <a:ea typeface="+mj-ea"/>
+                <a:cs typeface="Times New Roman" panose="02020603050405020304" pitchFamily="18" charset="0"/>
+              </a:rPr>
+              <a:t>racist.</a:t>
+            </a:r>
+          </a:p>
+          <a:p>
+            <a:endParaRPr kumimoji="1" lang="zh-CN" altLang="en-US" sz="3600" b="1" dirty="0">
+              <a:latin typeface="Times New Roman" panose="02020603050405020304" pitchFamily="18" charset="0"/>
+              <a:ea typeface="+mj-ea"/>
+              <a:cs typeface="Times New Roman" panose="02020603050405020304" pitchFamily="18" charset="0"/>
+            </a:endParaRPr>
           </a:p>
         </p:txBody>
       </p:sp>
     </p:spTree>
     <p:extLst>
       <p:ext uri="{BB962C8B-B14F-4D97-AF65-F5344CB8AC3E}">
-        <p14:creationId xmlns:p14="http://schemas.microsoft.com/office/powerpoint/2010/main" val="223731499"/>
+        <p14:creationId xmlns:p14="http://schemas.microsoft.com/office/powerpoint/2010/main" val="667163474"/>
       </p:ext>
     </p:extLst>
   </p:cSld>
@@ -4481,6 +4392,1576 @@
           <p:cNvPr id="2" name="标题 1">
             <a:extLst>
               <a:ext uri="{FF2B5EF4-FFF2-40B4-BE49-F238E27FC236}">
+                <a16:creationId xmlns:a16="http://schemas.microsoft.com/office/drawing/2014/main" id="{AFA519D1-76E5-D141-ADED-789EAF850954}"/>
+              </a:ext>
+            </a:extLst>
+          </p:cNvPr>
+          <p:cNvSpPr>
+            <a:spLocks noGrp="1"/>
+          </p:cNvSpPr>
+          <p:nvPr>
+            <p:ph type="title"/>
+          </p:nvPr>
+        </p:nvSpPr>
+        <p:spPr>
+          <a:xfrm>
+            <a:off x="637711" y="348510"/>
+            <a:ext cx="10849993" cy="1444779"/>
+          </a:xfrm>
+        </p:spPr>
+        <p:txBody>
+          <a:bodyPr>
+            <a:normAutofit/>
+          </a:bodyPr>
+          <a:lstStyle/>
+          <a:p>
+            <a:r>
+              <a:rPr kumimoji="1" lang="en-US" altLang="zh-CN" sz="4900" b="1">
+                <a:latin typeface="Times New Roman" panose="02020603050405020304" pitchFamily="18" charset="0"/>
+                <a:cs typeface="Times New Roman" panose="02020603050405020304" pitchFamily="18" charset="0"/>
+              </a:rPr>
+              <a:t>2. Statistical Analysis</a:t>
+            </a:r>
+            <a:br>
+              <a:rPr kumimoji="1" lang="en-US" altLang="zh-CN" b="1">
+                <a:latin typeface="Times New Roman" panose="02020603050405020304" pitchFamily="18" charset="0"/>
+                <a:cs typeface="Times New Roman" panose="02020603050405020304" pitchFamily="18" charset="0"/>
+              </a:rPr>
+            </a:br>
+            <a:r>
+              <a:rPr kumimoji="1" lang="en-US" altLang="zh-CN" sz="3600" b="1">
+                <a:latin typeface="Times New Roman" panose="02020603050405020304" pitchFamily="18" charset="0"/>
+                <a:cs typeface="Times New Roman" panose="02020603050405020304" pitchFamily="18" charset="0"/>
+              </a:rPr>
+              <a:t>2.5 Regression tree on attributes</a:t>
+            </a:r>
+            <a:endParaRPr kumimoji="1" lang="zh-CN" altLang="en-US" b="1" dirty="0">
+              <a:latin typeface="Times New Roman" panose="02020603050405020304" pitchFamily="18" charset="0"/>
+              <a:cs typeface="Times New Roman" panose="02020603050405020304" pitchFamily="18" charset="0"/>
+            </a:endParaRPr>
+          </a:p>
+        </p:txBody>
+      </p:sp>
+      <p:pic>
+        <p:nvPicPr>
+          <p:cNvPr id="5" name="Picture 4" descr="Diagram&#10;&#10;Description automatically generated">
+            <a:extLst>
+              <a:ext uri="{FF2B5EF4-FFF2-40B4-BE49-F238E27FC236}">
+                <a16:creationId xmlns:a16="http://schemas.microsoft.com/office/drawing/2014/main" id="{2B44DDCA-79FA-4453-B1CF-7833B32F0EFB}"/>
+              </a:ext>
+            </a:extLst>
+          </p:cNvPr>
+          <p:cNvPicPr>
+            <a:picLocks noChangeAspect="1"/>
+          </p:cNvPicPr>
+          <p:nvPr/>
+        </p:nvPicPr>
+        <p:blipFill>
+          <a:blip r:embed="rId2"/>
+          <a:stretch>
+            <a:fillRect/>
+          </a:stretch>
+        </p:blipFill>
+        <p:spPr>
+          <a:xfrm>
+            <a:off x="4169279" y="1621642"/>
+            <a:ext cx="7500352" cy="4530584"/>
+          </a:xfrm>
+          <a:prstGeom prst="rect">
+            <a:avLst/>
+          </a:prstGeom>
+        </p:spPr>
+      </p:pic>
+      <p:sp>
+        <p:nvSpPr>
+          <p:cNvPr id="17" name="Content Placeholder 2">
+            <a:extLst>
+              <a:ext uri="{FF2B5EF4-FFF2-40B4-BE49-F238E27FC236}">
+                <a16:creationId xmlns:a16="http://schemas.microsoft.com/office/drawing/2014/main" id="{96E8319B-94AD-42D7-898E-3C28CD3392E3}"/>
+              </a:ext>
+            </a:extLst>
+          </p:cNvPr>
+          <p:cNvSpPr txBox="1">
+            <a:spLocks/>
+          </p:cNvSpPr>
+          <p:nvPr/>
+        </p:nvSpPr>
+        <p:spPr>
+          <a:xfrm>
+            <a:off x="637711" y="1914941"/>
+            <a:ext cx="10515600" cy="4351338"/>
+          </a:xfrm>
+          <a:prstGeom prst="rect">
+            <a:avLst/>
+          </a:prstGeom>
+        </p:spPr>
+        <p:txBody>
+          <a:bodyPr vert="horz" lIns="91440" tIns="45720" rIns="91440" bIns="45720" rtlCol="0">
+            <a:normAutofit/>
+          </a:bodyPr>
+          <a:lstStyle>
+            <a:lvl1pPr marL="228600" indent="-228600" algn="l" defTabSz="914400" rtl="0" eaLnBrk="1" latinLnBrk="0" hangingPunct="1">
+              <a:lnSpc>
+                <a:spcPct val="90000"/>
+              </a:lnSpc>
+              <a:spcBef>
+                <a:spcPts val="1000"/>
+              </a:spcBef>
+              <a:buFont typeface="Arial" panose="020B0604020202020204" pitchFamily="34" charset="0"/>
+              <a:buChar char="•"/>
+              <a:defRPr sz="2800" b="0" i="0" kern="1200">
+                <a:solidFill>
+                  <a:schemeClr val="tx1"/>
+                </a:solidFill>
+                <a:latin typeface="Times New Roman" panose="02020603050405020304" pitchFamily="18" charset="0"/>
+                <a:ea typeface="+mn-ea"/>
+                <a:cs typeface="+mn-cs"/>
+              </a:defRPr>
+            </a:lvl1pPr>
+            <a:lvl2pPr marL="685800" indent="-228600" algn="l" defTabSz="914400" rtl="0" eaLnBrk="1" latinLnBrk="0" hangingPunct="1">
+              <a:lnSpc>
+                <a:spcPct val="90000"/>
+              </a:lnSpc>
+              <a:spcBef>
+                <a:spcPts val="500"/>
+              </a:spcBef>
+              <a:buFont typeface="Arial" panose="020B0604020202020204" pitchFamily="34" charset="0"/>
+              <a:buChar char="•"/>
+              <a:defRPr sz="2400" b="0" i="0" kern="1200">
+                <a:solidFill>
+                  <a:schemeClr val="tx1"/>
+                </a:solidFill>
+                <a:latin typeface="Times New Roman" panose="02020603050405020304" pitchFamily="18" charset="0"/>
+                <a:ea typeface="+mn-ea"/>
+                <a:cs typeface="+mn-cs"/>
+              </a:defRPr>
+            </a:lvl2pPr>
+            <a:lvl3pPr marL="1143000" indent="-228600" algn="l" defTabSz="914400" rtl="0" eaLnBrk="1" latinLnBrk="0" hangingPunct="1">
+              <a:lnSpc>
+                <a:spcPct val="90000"/>
+              </a:lnSpc>
+              <a:spcBef>
+                <a:spcPts val="500"/>
+              </a:spcBef>
+              <a:buFont typeface="Arial" panose="020B0604020202020204" pitchFamily="34" charset="0"/>
+              <a:buChar char="•"/>
+              <a:defRPr sz="2000" b="0" i="0" kern="1200">
+                <a:solidFill>
+                  <a:schemeClr val="tx1"/>
+                </a:solidFill>
+                <a:latin typeface="Times New Roman" panose="02020603050405020304" pitchFamily="18" charset="0"/>
+                <a:ea typeface="+mn-ea"/>
+                <a:cs typeface="+mn-cs"/>
+              </a:defRPr>
+            </a:lvl3pPr>
+            <a:lvl4pPr marL="1600200" indent="-228600" algn="l" defTabSz="914400" rtl="0" eaLnBrk="1" latinLnBrk="0" hangingPunct="1">
+              <a:lnSpc>
+                <a:spcPct val="90000"/>
+              </a:lnSpc>
+              <a:spcBef>
+                <a:spcPts val="500"/>
+              </a:spcBef>
+              <a:buFont typeface="Arial" panose="020B0604020202020204" pitchFamily="34" charset="0"/>
+              <a:buChar char="•"/>
+              <a:defRPr sz="1800" b="0" i="0" kern="1200">
+                <a:solidFill>
+                  <a:schemeClr val="tx1"/>
+                </a:solidFill>
+                <a:latin typeface="Times New Roman" panose="02020603050405020304" pitchFamily="18" charset="0"/>
+                <a:ea typeface="+mn-ea"/>
+                <a:cs typeface="+mn-cs"/>
+              </a:defRPr>
+            </a:lvl4pPr>
+            <a:lvl5pPr marL="2057400" indent="-228600" algn="l" defTabSz="914400" rtl="0" eaLnBrk="1" latinLnBrk="0" hangingPunct="1">
+              <a:lnSpc>
+                <a:spcPct val="90000"/>
+              </a:lnSpc>
+              <a:spcBef>
+                <a:spcPts val="500"/>
+              </a:spcBef>
+              <a:buFont typeface="Arial" panose="020B0604020202020204" pitchFamily="34" charset="0"/>
+              <a:buChar char="•"/>
+              <a:defRPr sz="1800" b="0" i="0" kern="1200">
+                <a:solidFill>
+                  <a:schemeClr val="tx1"/>
+                </a:solidFill>
+                <a:latin typeface="Times New Roman" panose="02020603050405020304" pitchFamily="18" charset="0"/>
+                <a:ea typeface="+mn-ea"/>
+                <a:cs typeface="+mn-cs"/>
+              </a:defRPr>
+            </a:lvl5pPr>
+            <a:lvl6pPr marL="2514600" indent="-228600" algn="l" defTabSz="914400" rtl="0" eaLnBrk="1" latinLnBrk="0" hangingPunct="1">
+              <a:lnSpc>
+                <a:spcPct val="90000"/>
+              </a:lnSpc>
+              <a:spcBef>
+                <a:spcPts val="500"/>
+              </a:spcBef>
+              <a:buFont typeface="Arial" panose="020B0604020202020204" pitchFamily="34" charset="0"/>
+              <a:buChar char="•"/>
+              <a:defRPr sz="1800" kern="1200">
+                <a:solidFill>
+                  <a:schemeClr val="tx1"/>
+                </a:solidFill>
+                <a:latin typeface="+mn-lt"/>
+                <a:ea typeface="+mn-ea"/>
+                <a:cs typeface="+mn-cs"/>
+              </a:defRPr>
+            </a:lvl6pPr>
+            <a:lvl7pPr marL="2971800" indent="-228600" algn="l" defTabSz="914400" rtl="0" eaLnBrk="1" latinLnBrk="0" hangingPunct="1">
+              <a:lnSpc>
+                <a:spcPct val="90000"/>
+              </a:lnSpc>
+              <a:spcBef>
+                <a:spcPts val="500"/>
+              </a:spcBef>
+              <a:buFont typeface="Arial" panose="020B0604020202020204" pitchFamily="34" charset="0"/>
+              <a:buChar char="•"/>
+              <a:defRPr sz="1800" kern="1200">
+                <a:solidFill>
+                  <a:schemeClr val="tx1"/>
+                </a:solidFill>
+                <a:latin typeface="+mn-lt"/>
+                <a:ea typeface="+mn-ea"/>
+                <a:cs typeface="+mn-cs"/>
+              </a:defRPr>
+            </a:lvl7pPr>
+            <a:lvl8pPr marL="3429000" indent="-228600" algn="l" defTabSz="914400" rtl="0" eaLnBrk="1" latinLnBrk="0" hangingPunct="1">
+              <a:lnSpc>
+                <a:spcPct val="90000"/>
+              </a:lnSpc>
+              <a:spcBef>
+                <a:spcPts val="500"/>
+              </a:spcBef>
+              <a:buFont typeface="Arial" panose="020B0604020202020204" pitchFamily="34" charset="0"/>
+              <a:buChar char="•"/>
+              <a:defRPr sz="1800" kern="1200">
+                <a:solidFill>
+                  <a:schemeClr val="tx1"/>
+                </a:solidFill>
+                <a:latin typeface="+mn-lt"/>
+                <a:ea typeface="+mn-ea"/>
+                <a:cs typeface="+mn-cs"/>
+              </a:defRPr>
+            </a:lvl8pPr>
+            <a:lvl9pPr marL="3886200" indent="-228600" algn="l" defTabSz="914400" rtl="0" eaLnBrk="1" latinLnBrk="0" hangingPunct="1">
+              <a:lnSpc>
+                <a:spcPct val="90000"/>
+              </a:lnSpc>
+              <a:spcBef>
+                <a:spcPts val="500"/>
+              </a:spcBef>
+              <a:buFont typeface="Arial" panose="020B0604020202020204" pitchFamily="34" charset="0"/>
+              <a:buChar char="•"/>
+              <a:defRPr sz="1800" kern="1200">
+                <a:solidFill>
+                  <a:schemeClr val="tx1"/>
+                </a:solidFill>
+                <a:latin typeface="+mn-lt"/>
+                <a:ea typeface="+mn-ea"/>
+                <a:cs typeface="+mn-cs"/>
+              </a:defRPr>
+            </a:lvl9pPr>
+          </a:lstStyle>
+          <a:p>
+            <a:r>
+              <a:rPr lang="en-US" dirty="0"/>
+              <a:t>Regression Tree</a:t>
+            </a:r>
+          </a:p>
+          <a:p>
+            <a:pPr lvl="1">
+              <a:lnSpc>
+                <a:spcPct val="150000"/>
+              </a:lnSpc>
+            </a:pPr>
+            <a:r>
+              <a:rPr kumimoji="1" lang="en-US" sz="1400" dirty="0">
+                <a:cs typeface="Times New Roman" panose="02020603050405020304" pitchFamily="18" charset="0"/>
+              </a:rPr>
+              <a:t>10 variables: </a:t>
+            </a:r>
+            <a:r>
+              <a:rPr kumimoji="1" lang="en-US" sz="1400" dirty="0" err="1">
+                <a:cs typeface="Times New Roman" panose="02020603050405020304" pitchFamily="18" charset="0"/>
+              </a:rPr>
+              <a:t>RestaurantsDelivery</a:t>
+            </a:r>
+            <a:r>
+              <a:rPr kumimoji="1" lang="en-US" sz="1400" dirty="0">
+                <a:cs typeface="Times New Roman" panose="02020603050405020304" pitchFamily="18" charset="0"/>
+              </a:rPr>
+              <a:t>, </a:t>
+            </a:r>
+            <a:r>
+              <a:rPr kumimoji="1" lang="en-US" sz="1400" dirty="0" err="1">
+                <a:cs typeface="Times New Roman" panose="02020603050405020304" pitchFamily="18" charset="0"/>
+              </a:rPr>
+              <a:t>RestaurantsTake</a:t>
+            </a:r>
+            <a:r>
+              <a:rPr kumimoji="1" lang="en-US" sz="1400" dirty="0">
+                <a:cs typeface="Times New Roman" panose="02020603050405020304" pitchFamily="18" charset="0"/>
+              </a:rPr>
+              <a:t>-Out, </a:t>
+            </a:r>
+            <a:r>
+              <a:rPr kumimoji="1" lang="en-US" sz="1400" dirty="0" err="1">
+                <a:cs typeface="Times New Roman" panose="02020603050405020304" pitchFamily="18" charset="0"/>
+              </a:rPr>
+              <a:t>BusinessAcceptCreditCards</a:t>
+            </a:r>
+            <a:r>
+              <a:rPr kumimoji="1" lang="en-US" sz="1400" dirty="0">
+                <a:cs typeface="Times New Roman" panose="02020603050405020304" pitchFamily="18" charset="0"/>
+              </a:rPr>
+              <a:t>, </a:t>
+            </a:r>
+          </a:p>
+          <a:p>
+            <a:pPr marL="457200" lvl="1" indent="0">
+              <a:lnSpc>
+                <a:spcPct val="150000"/>
+              </a:lnSpc>
+              <a:buNone/>
+            </a:pPr>
+            <a:r>
+              <a:rPr kumimoji="1" lang="en-US" sz="1400" dirty="0" err="1">
+                <a:cs typeface="Times New Roman" panose="02020603050405020304" pitchFamily="18" charset="0"/>
+              </a:rPr>
+              <a:t>RestaurantsReservations</a:t>
+            </a:r>
+            <a:r>
+              <a:rPr kumimoji="1" lang="en-US" sz="1400" dirty="0">
+                <a:cs typeface="Times New Roman" panose="02020603050405020304" pitchFamily="18" charset="0"/>
+              </a:rPr>
+              <a:t>, </a:t>
+            </a:r>
+            <a:r>
+              <a:rPr kumimoji="1" lang="en-US" sz="1400" dirty="0" err="1">
+                <a:cs typeface="Times New Roman" panose="02020603050405020304" pitchFamily="18" charset="0"/>
+              </a:rPr>
+              <a:t>HasTV</a:t>
+            </a:r>
+            <a:r>
+              <a:rPr kumimoji="1" lang="en-US" sz="1400" dirty="0">
+                <a:cs typeface="Times New Roman" panose="02020603050405020304" pitchFamily="18" charset="0"/>
+              </a:rPr>
+              <a:t>, </a:t>
+            </a:r>
+            <a:r>
+              <a:rPr kumimoji="1" lang="en-US" sz="1400" dirty="0" err="1">
+                <a:cs typeface="Times New Roman" panose="02020603050405020304" pitchFamily="18" charset="0"/>
+              </a:rPr>
+              <a:t>RestaurantsGoodForGroups</a:t>
+            </a:r>
+            <a:r>
+              <a:rPr kumimoji="1" lang="en-US" sz="1400" dirty="0">
+                <a:cs typeface="Times New Roman" panose="02020603050405020304" pitchFamily="18" charset="0"/>
+              </a:rPr>
+              <a:t>,</a:t>
+            </a:r>
+          </a:p>
+          <a:p>
+            <a:pPr marL="457200" lvl="1" indent="0">
+              <a:lnSpc>
+                <a:spcPct val="150000"/>
+              </a:lnSpc>
+              <a:buNone/>
+            </a:pPr>
+            <a:r>
+              <a:rPr kumimoji="1" lang="en-US" sz="1400" dirty="0" err="1">
+                <a:cs typeface="Times New Roman" panose="02020603050405020304" pitchFamily="18" charset="0"/>
+              </a:rPr>
+              <a:t>RestaurantsPriceRange</a:t>
+            </a:r>
+            <a:r>
+              <a:rPr kumimoji="1" lang="en-US" sz="1400" dirty="0">
+                <a:cs typeface="Times New Roman" panose="02020603050405020304" pitchFamily="18" charset="0"/>
+              </a:rPr>
+              <a:t>, </a:t>
+            </a:r>
+            <a:r>
+              <a:rPr kumimoji="1" lang="en-US" sz="1400" dirty="0" err="1">
+                <a:cs typeface="Times New Roman" panose="02020603050405020304" pitchFamily="18" charset="0"/>
+              </a:rPr>
+              <a:t>NoiseLevel</a:t>
+            </a:r>
+            <a:r>
+              <a:rPr kumimoji="1" lang="en-US" sz="1400" dirty="0">
+                <a:cs typeface="Times New Roman" panose="02020603050405020304" pitchFamily="18" charset="0"/>
+              </a:rPr>
+              <a:t>, Alcohol, </a:t>
+            </a:r>
+            <a:r>
+              <a:rPr kumimoji="1" lang="en-US" sz="1400" dirty="0" err="1">
+                <a:cs typeface="Times New Roman" panose="02020603050405020304" pitchFamily="18" charset="0"/>
+              </a:rPr>
+              <a:t>OutdoorSeating</a:t>
+            </a:r>
+            <a:r>
+              <a:rPr kumimoji="1" lang="en-US" sz="1400" dirty="0">
+                <a:cs typeface="Times New Roman" panose="02020603050405020304" pitchFamily="18" charset="0"/>
+              </a:rPr>
+              <a:t>, </a:t>
+            </a:r>
+          </a:p>
+          <a:p>
+            <a:pPr marL="457200" lvl="1" indent="0">
+              <a:lnSpc>
+                <a:spcPct val="150000"/>
+              </a:lnSpc>
+              <a:buNone/>
+            </a:pPr>
+            <a:r>
+              <a:rPr kumimoji="1" lang="en-US" sz="1400" dirty="0" err="1">
+                <a:cs typeface="Times New Roman" panose="02020603050405020304" pitchFamily="18" charset="0"/>
+              </a:rPr>
+              <a:t>RestaurantsAttire</a:t>
+            </a:r>
+            <a:r>
+              <a:rPr kumimoji="1" lang="en-US" sz="1400" dirty="0">
+                <a:cs typeface="Times New Roman" panose="02020603050405020304" pitchFamily="18" charset="0"/>
+              </a:rPr>
+              <a:t>, </a:t>
+            </a:r>
+            <a:r>
+              <a:rPr kumimoji="1" lang="en-US" sz="1400" dirty="0" err="1">
+                <a:cs typeface="Times New Roman" panose="02020603050405020304" pitchFamily="18" charset="0"/>
+              </a:rPr>
+              <a:t>WiFi</a:t>
+            </a:r>
+            <a:r>
+              <a:rPr kumimoji="1" lang="en-US" sz="1400" dirty="0">
+                <a:cs typeface="Times New Roman" panose="02020603050405020304" pitchFamily="18" charset="0"/>
+              </a:rPr>
+              <a:t>, Good-</a:t>
+            </a:r>
+            <a:r>
+              <a:rPr kumimoji="1" lang="en-US" sz="1400" dirty="0" err="1">
+                <a:cs typeface="Times New Roman" panose="02020603050405020304" pitchFamily="18" charset="0"/>
+              </a:rPr>
+              <a:t>ForKids</a:t>
+            </a:r>
+            <a:r>
+              <a:rPr kumimoji="1" lang="en-US" sz="1400" dirty="0">
+                <a:cs typeface="Times New Roman" panose="02020603050405020304" pitchFamily="18" charset="0"/>
+              </a:rPr>
+              <a:t>, </a:t>
+            </a:r>
+            <a:r>
+              <a:rPr kumimoji="1" lang="en-US" sz="1400" dirty="0" err="1">
+                <a:cs typeface="Times New Roman" panose="02020603050405020304" pitchFamily="18" charset="0"/>
+              </a:rPr>
+              <a:t>BikeParking</a:t>
+            </a:r>
+            <a:r>
+              <a:rPr kumimoji="1" lang="en-US" sz="1400" dirty="0">
+                <a:cs typeface="Times New Roman" panose="02020603050405020304" pitchFamily="18" charset="0"/>
+              </a:rPr>
+              <a:t> </a:t>
+            </a:r>
+          </a:p>
+          <a:p>
+            <a:r>
+              <a:rPr lang="en-US" dirty="0"/>
+              <a:t>t-test</a:t>
+            </a:r>
+          </a:p>
+          <a:p>
+            <a:pPr lvl="1">
+              <a:lnSpc>
+                <a:spcPct val="150000"/>
+              </a:lnSpc>
+            </a:pPr>
+            <a:r>
+              <a:rPr lang="en-US" sz="1100" b="0" i="0" dirty="0">
+                <a:effectLst/>
+                <a:latin typeface="Arial" panose="020B0604020202020204" pitchFamily="34" charset="0"/>
+              </a:rPr>
+              <a:t>5 variables with high performance:</a:t>
+            </a:r>
+          </a:p>
+          <a:p>
+            <a:pPr marL="457200" lvl="1" indent="0">
+              <a:lnSpc>
+                <a:spcPct val="150000"/>
+              </a:lnSpc>
+              <a:buNone/>
+            </a:pPr>
+            <a:r>
+              <a:rPr lang="en-US" sz="1100" b="0" i="0" dirty="0">
+                <a:effectLst/>
+                <a:latin typeface="Arial" panose="020B0604020202020204" pitchFamily="34" charset="0"/>
+              </a:rPr>
+              <a:t>Price range (3219.1), Outdoor Seating (1500.2), </a:t>
+            </a:r>
+          </a:p>
+          <a:p>
+            <a:pPr marL="457200" lvl="1" indent="0">
+              <a:lnSpc>
+                <a:spcPct val="150000"/>
+              </a:lnSpc>
+              <a:buNone/>
+            </a:pPr>
+            <a:r>
+              <a:rPr lang="en-US" sz="1100" b="0" i="0" dirty="0" err="1">
+                <a:effectLst/>
+                <a:latin typeface="Arial" panose="020B0604020202020204" pitchFamily="34" charset="0"/>
+              </a:rPr>
+              <a:t>Whetherhas</a:t>
+            </a:r>
+            <a:r>
+              <a:rPr lang="en-US" sz="1100" b="0" i="0" dirty="0">
+                <a:effectLst/>
+                <a:latin typeface="Arial" panose="020B0604020202020204" pitchFamily="34" charset="0"/>
+              </a:rPr>
+              <a:t> TV (1344.9), Alcohol (1342.6) </a:t>
+            </a:r>
+          </a:p>
+          <a:p>
+            <a:pPr marL="457200" lvl="1" indent="0">
+              <a:lnSpc>
+                <a:spcPct val="150000"/>
+              </a:lnSpc>
+              <a:buNone/>
+            </a:pPr>
+            <a:r>
+              <a:rPr lang="en-US" sz="1100" b="0" i="0" dirty="0">
+                <a:effectLst/>
+                <a:latin typeface="Arial" panose="020B0604020202020204" pitchFamily="34" charset="0"/>
+              </a:rPr>
+              <a:t>Bike Parking (754.6)</a:t>
+            </a:r>
+            <a:endParaRPr lang="en-US" dirty="0"/>
+          </a:p>
+        </p:txBody>
+      </p:sp>
+    </p:spTree>
+    <p:extLst>
+      <p:ext uri="{BB962C8B-B14F-4D97-AF65-F5344CB8AC3E}">
+        <p14:creationId xmlns:p14="http://schemas.microsoft.com/office/powerpoint/2010/main" val="2024008876"/>
+      </p:ext>
+    </p:extLst>
+  </p:cSld>
+  <p:clrMapOvr>
+    <a:masterClrMapping/>
+  </p:clrMapOvr>
+</p:sld>
+</file>
+
+<file path=ppt/slides/slide13.xml><?xml version="1.0" encoding="utf-8"?>
+<p:sld xmlns:a="http://schemas.openxmlformats.org/drawingml/2006/main" xmlns:r="http://schemas.openxmlformats.org/officeDocument/2006/relationships" xmlns:p="http://schemas.openxmlformats.org/presentationml/2006/main">
+  <p:cSld>
+    <p:spTree>
+      <p:nvGrpSpPr>
+        <p:cNvPr id="1" name=""/>
+        <p:cNvGrpSpPr/>
+        <p:nvPr/>
+      </p:nvGrpSpPr>
+      <p:grpSpPr>
+        <a:xfrm>
+          <a:off x="0" y="0"/>
+          <a:ext cx="0" cy="0"/>
+          <a:chOff x="0" y="0"/>
+          <a:chExt cx="0" cy="0"/>
+        </a:xfrm>
+      </p:grpSpPr>
+      <p:sp>
+        <p:nvSpPr>
+          <p:cNvPr id="2" name="标题 1">
+            <a:extLst>
+              <a:ext uri="{FF2B5EF4-FFF2-40B4-BE49-F238E27FC236}">
+                <a16:creationId xmlns:a16="http://schemas.microsoft.com/office/drawing/2014/main" id="{A615F081-2878-5F49-968F-A8F9D2C993A3}"/>
+              </a:ext>
+            </a:extLst>
+          </p:cNvPr>
+          <p:cNvSpPr>
+            <a:spLocks noGrp="1"/>
+          </p:cNvSpPr>
+          <p:nvPr>
+            <p:ph type="title"/>
+          </p:nvPr>
+        </p:nvSpPr>
+        <p:spPr/>
+        <p:txBody>
+          <a:bodyPr>
+            <a:normAutofit/>
+          </a:bodyPr>
+          <a:lstStyle/>
+          <a:p>
+            <a:r>
+              <a:rPr kumimoji="1" lang="en-US" altLang="zh-CN" b="1" dirty="0">
+                <a:latin typeface="Times New Roman" panose="02020603050405020304" pitchFamily="18" charset="0"/>
+                <a:cs typeface="Times New Roman" panose="02020603050405020304" pitchFamily="18" charset="0"/>
+              </a:rPr>
+              <a:t>3. Insights &amp; Action Plan</a:t>
+            </a:r>
+            <a:br>
+              <a:rPr kumimoji="1" lang="en-US" altLang="zh-CN" b="1" dirty="0">
+                <a:latin typeface="Times New Roman" panose="02020603050405020304" pitchFamily="18" charset="0"/>
+                <a:cs typeface="Times New Roman" panose="02020603050405020304" pitchFamily="18" charset="0"/>
+              </a:rPr>
+            </a:br>
+            <a:r>
+              <a:rPr kumimoji="1" lang="en-US" altLang="zh-CN" sz="3600" b="1" dirty="0">
+                <a:latin typeface="Times New Roman" panose="02020603050405020304" pitchFamily="18" charset="0"/>
+                <a:cs typeface="Times New Roman" panose="02020603050405020304" pitchFamily="18" charset="0"/>
+              </a:rPr>
+              <a:t>3.1 </a:t>
+            </a:r>
+            <a:r>
+              <a:rPr kumimoji="1" lang="en-US" sz="3600" b="1" dirty="0">
+                <a:latin typeface="Times New Roman" panose="02020603050405020304" pitchFamily="18" charset="0"/>
+                <a:cs typeface="Times New Roman" panose="02020603050405020304" pitchFamily="18" charset="0"/>
+              </a:rPr>
+              <a:t>Overall Ratings</a:t>
+            </a:r>
+            <a:endParaRPr kumimoji="1" lang="zh-CN" altLang="en-US" b="1" dirty="0">
+              <a:latin typeface="Times New Roman" panose="02020603050405020304" pitchFamily="18" charset="0"/>
+              <a:cs typeface="Times New Roman" panose="02020603050405020304" pitchFamily="18" charset="0"/>
+            </a:endParaRPr>
+          </a:p>
+        </p:txBody>
+      </p:sp>
+      <p:pic>
+        <p:nvPicPr>
+          <p:cNvPr id="9" name="Content Placeholder 8" descr="Chart, bar chart, histogram&#10;&#10;Description automatically generated">
+            <a:extLst>
+              <a:ext uri="{FF2B5EF4-FFF2-40B4-BE49-F238E27FC236}">
+                <a16:creationId xmlns:a16="http://schemas.microsoft.com/office/drawing/2014/main" id="{EF4F3323-200D-4CEA-A513-AC231205DB06}"/>
+              </a:ext>
+            </a:extLst>
+          </p:cNvPr>
+          <p:cNvPicPr>
+            <a:picLocks noGrp="1" noChangeAspect="1"/>
+          </p:cNvPicPr>
+          <p:nvPr>
+            <p:ph idx="1"/>
+          </p:nvPr>
+        </p:nvPicPr>
+        <p:blipFill rotWithShape="1">
+          <a:blip r:embed="rId2"/>
+          <a:srcRect t="1567"/>
+          <a:stretch/>
+        </p:blipFill>
+        <p:spPr>
+          <a:xfrm>
+            <a:off x="6160624" y="2209712"/>
+            <a:ext cx="4228186" cy="4283163"/>
+          </a:xfrm>
+        </p:spPr>
+      </p:pic>
+      <p:pic>
+        <p:nvPicPr>
+          <p:cNvPr id="10" name="Picture 9">
+            <a:extLst>
+              <a:ext uri="{FF2B5EF4-FFF2-40B4-BE49-F238E27FC236}">
+                <a16:creationId xmlns:a16="http://schemas.microsoft.com/office/drawing/2014/main" id="{CEFF983B-7986-4D8B-A81F-220B4472CB0F}"/>
+              </a:ext>
+            </a:extLst>
+          </p:cNvPr>
+          <p:cNvPicPr>
+            <a:picLocks noChangeAspect="1"/>
+          </p:cNvPicPr>
+          <p:nvPr/>
+        </p:nvPicPr>
+        <p:blipFill>
+          <a:blip r:embed="rId3"/>
+          <a:stretch>
+            <a:fillRect/>
+          </a:stretch>
+        </p:blipFill>
+        <p:spPr>
+          <a:xfrm>
+            <a:off x="971365" y="2421979"/>
+            <a:ext cx="4486901" cy="3915321"/>
+          </a:xfrm>
+          <a:prstGeom prst="rect">
+            <a:avLst/>
+          </a:prstGeom>
+        </p:spPr>
+      </p:pic>
+      <p:sp>
+        <p:nvSpPr>
+          <p:cNvPr id="11" name="Content Placeholder 2">
+            <a:extLst>
+              <a:ext uri="{FF2B5EF4-FFF2-40B4-BE49-F238E27FC236}">
+                <a16:creationId xmlns:a16="http://schemas.microsoft.com/office/drawing/2014/main" id="{EF24A5EE-35E2-4E80-AE08-C82DEC972C47}"/>
+              </a:ext>
+            </a:extLst>
+          </p:cNvPr>
+          <p:cNvSpPr txBox="1">
+            <a:spLocks/>
+          </p:cNvSpPr>
+          <p:nvPr/>
+        </p:nvSpPr>
+        <p:spPr>
+          <a:xfrm>
+            <a:off x="575568" y="1705807"/>
+            <a:ext cx="10515600" cy="4351338"/>
+          </a:xfrm>
+          <a:prstGeom prst="rect">
+            <a:avLst/>
+          </a:prstGeom>
+        </p:spPr>
+        <p:txBody>
+          <a:bodyPr vert="horz" lIns="91440" tIns="45720" rIns="91440" bIns="45720" rtlCol="0">
+            <a:normAutofit/>
+          </a:bodyPr>
+          <a:lstStyle>
+            <a:lvl1pPr marL="228600" indent="-228600" algn="l" defTabSz="914400" rtl="0" eaLnBrk="1" latinLnBrk="0" hangingPunct="1">
+              <a:lnSpc>
+                <a:spcPct val="90000"/>
+              </a:lnSpc>
+              <a:spcBef>
+                <a:spcPts val="1000"/>
+              </a:spcBef>
+              <a:buFont typeface="Arial" panose="020B0604020202020204" pitchFamily="34" charset="0"/>
+              <a:buChar char="•"/>
+              <a:defRPr sz="2800" b="0" i="0" kern="1200">
+                <a:solidFill>
+                  <a:schemeClr val="tx1"/>
+                </a:solidFill>
+                <a:latin typeface="Times New Roman" panose="02020603050405020304" pitchFamily="18" charset="0"/>
+                <a:ea typeface="+mn-ea"/>
+                <a:cs typeface="+mn-cs"/>
+              </a:defRPr>
+            </a:lvl1pPr>
+            <a:lvl2pPr marL="685800" indent="-228600" algn="l" defTabSz="914400" rtl="0" eaLnBrk="1" latinLnBrk="0" hangingPunct="1">
+              <a:lnSpc>
+                <a:spcPct val="90000"/>
+              </a:lnSpc>
+              <a:spcBef>
+                <a:spcPts val="500"/>
+              </a:spcBef>
+              <a:buFont typeface="Arial" panose="020B0604020202020204" pitchFamily="34" charset="0"/>
+              <a:buChar char="•"/>
+              <a:defRPr sz="2400" b="0" i="0" kern="1200">
+                <a:solidFill>
+                  <a:schemeClr val="tx1"/>
+                </a:solidFill>
+                <a:latin typeface="Times New Roman" panose="02020603050405020304" pitchFamily="18" charset="0"/>
+                <a:ea typeface="+mn-ea"/>
+                <a:cs typeface="+mn-cs"/>
+              </a:defRPr>
+            </a:lvl2pPr>
+            <a:lvl3pPr marL="1143000" indent="-228600" algn="l" defTabSz="914400" rtl="0" eaLnBrk="1" latinLnBrk="0" hangingPunct="1">
+              <a:lnSpc>
+                <a:spcPct val="90000"/>
+              </a:lnSpc>
+              <a:spcBef>
+                <a:spcPts val="500"/>
+              </a:spcBef>
+              <a:buFont typeface="Arial" panose="020B0604020202020204" pitchFamily="34" charset="0"/>
+              <a:buChar char="•"/>
+              <a:defRPr sz="2000" b="0" i="0" kern="1200">
+                <a:solidFill>
+                  <a:schemeClr val="tx1"/>
+                </a:solidFill>
+                <a:latin typeface="Times New Roman" panose="02020603050405020304" pitchFamily="18" charset="0"/>
+                <a:ea typeface="+mn-ea"/>
+                <a:cs typeface="+mn-cs"/>
+              </a:defRPr>
+            </a:lvl3pPr>
+            <a:lvl4pPr marL="1600200" indent="-228600" algn="l" defTabSz="914400" rtl="0" eaLnBrk="1" latinLnBrk="0" hangingPunct="1">
+              <a:lnSpc>
+                <a:spcPct val="90000"/>
+              </a:lnSpc>
+              <a:spcBef>
+                <a:spcPts val="500"/>
+              </a:spcBef>
+              <a:buFont typeface="Arial" panose="020B0604020202020204" pitchFamily="34" charset="0"/>
+              <a:buChar char="•"/>
+              <a:defRPr sz="1800" b="0" i="0" kern="1200">
+                <a:solidFill>
+                  <a:schemeClr val="tx1"/>
+                </a:solidFill>
+                <a:latin typeface="Times New Roman" panose="02020603050405020304" pitchFamily="18" charset="0"/>
+                <a:ea typeface="+mn-ea"/>
+                <a:cs typeface="+mn-cs"/>
+              </a:defRPr>
+            </a:lvl4pPr>
+            <a:lvl5pPr marL="2057400" indent="-228600" algn="l" defTabSz="914400" rtl="0" eaLnBrk="1" latinLnBrk="0" hangingPunct="1">
+              <a:lnSpc>
+                <a:spcPct val="90000"/>
+              </a:lnSpc>
+              <a:spcBef>
+                <a:spcPts val="500"/>
+              </a:spcBef>
+              <a:buFont typeface="Arial" panose="020B0604020202020204" pitchFamily="34" charset="0"/>
+              <a:buChar char="•"/>
+              <a:defRPr sz="1800" b="0" i="0" kern="1200">
+                <a:solidFill>
+                  <a:schemeClr val="tx1"/>
+                </a:solidFill>
+                <a:latin typeface="Times New Roman" panose="02020603050405020304" pitchFamily="18" charset="0"/>
+                <a:ea typeface="+mn-ea"/>
+                <a:cs typeface="+mn-cs"/>
+              </a:defRPr>
+            </a:lvl5pPr>
+            <a:lvl6pPr marL="2514600" indent="-228600" algn="l" defTabSz="914400" rtl="0" eaLnBrk="1" latinLnBrk="0" hangingPunct="1">
+              <a:lnSpc>
+                <a:spcPct val="90000"/>
+              </a:lnSpc>
+              <a:spcBef>
+                <a:spcPts val="500"/>
+              </a:spcBef>
+              <a:buFont typeface="Arial" panose="020B0604020202020204" pitchFamily="34" charset="0"/>
+              <a:buChar char="•"/>
+              <a:defRPr sz="1800" kern="1200">
+                <a:solidFill>
+                  <a:schemeClr val="tx1"/>
+                </a:solidFill>
+                <a:latin typeface="+mn-lt"/>
+                <a:ea typeface="+mn-ea"/>
+                <a:cs typeface="+mn-cs"/>
+              </a:defRPr>
+            </a:lvl6pPr>
+            <a:lvl7pPr marL="2971800" indent="-228600" algn="l" defTabSz="914400" rtl="0" eaLnBrk="1" latinLnBrk="0" hangingPunct="1">
+              <a:lnSpc>
+                <a:spcPct val="90000"/>
+              </a:lnSpc>
+              <a:spcBef>
+                <a:spcPts val="500"/>
+              </a:spcBef>
+              <a:buFont typeface="Arial" panose="020B0604020202020204" pitchFamily="34" charset="0"/>
+              <a:buChar char="•"/>
+              <a:defRPr sz="1800" kern="1200">
+                <a:solidFill>
+                  <a:schemeClr val="tx1"/>
+                </a:solidFill>
+                <a:latin typeface="+mn-lt"/>
+                <a:ea typeface="+mn-ea"/>
+                <a:cs typeface="+mn-cs"/>
+              </a:defRPr>
+            </a:lvl7pPr>
+            <a:lvl8pPr marL="3429000" indent="-228600" algn="l" defTabSz="914400" rtl="0" eaLnBrk="1" latinLnBrk="0" hangingPunct="1">
+              <a:lnSpc>
+                <a:spcPct val="90000"/>
+              </a:lnSpc>
+              <a:spcBef>
+                <a:spcPts val="500"/>
+              </a:spcBef>
+              <a:buFont typeface="Arial" panose="020B0604020202020204" pitchFamily="34" charset="0"/>
+              <a:buChar char="•"/>
+              <a:defRPr sz="1800" kern="1200">
+                <a:solidFill>
+                  <a:schemeClr val="tx1"/>
+                </a:solidFill>
+                <a:latin typeface="+mn-lt"/>
+                <a:ea typeface="+mn-ea"/>
+                <a:cs typeface="+mn-cs"/>
+              </a:defRPr>
+            </a:lvl8pPr>
+            <a:lvl9pPr marL="3886200" indent="-228600" algn="l" defTabSz="914400" rtl="0" eaLnBrk="1" latinLnBrk="0" hangingPunct="1">
+              <a:lnSpc>
+                <a:spcPct val="90000"/>
+              </a:lnSpc>
+              <a:spcBef>
+                <a:spcPts val="500"/>
+              </a:spcBef>
+              <a:buFont typeface="Arial" panose="020B0604020202020204" pitchFamily="34" charset="0"/>
+              <a:buChar char="•"/>
+              <a:defRPr sz="1800" kern="1200">
+                <a:solidFill>
+                  <a:schemeClr val="tx1"/>
+                </a:solidFill>
+                <a:latin typeface="+mn-lt"/>
+                <a:ea typeface="+mn-ea"/>
+                <a:cs typeface="+mn-cs"/>
+              </a:defRPr>
+            </a:lvl9pPr>
+          </a:lstStyle>
+          <a:p>
+            <a:r>
+              <a:rPr lang="en-US" dirty="0"/>
+              <a:t>Example: Meatheads at 1305 S Neil St</a:t>
+            </a:r>
+          </a:p>
+          <a:p>
+            <a:endParaRPr lang="en-US" dirty="0"/>
+          </a:p>
+          <a:p>
+            <a:endParaRPr lang="en-US" dirty="0"/>
+          </a:p>
+        </p:txBody>
+      </p:sp>
+    </p:spTree>
+    <p:extLst>
+      <p:ext uri="{BB962C8B-B14F-4D97-AF65-F5344CB8AC3E}">
+        <p14:creationId xmlns:p14="http://schemas.microsoft.com/office/powerpoint/2010/main" val="223731499"/>
+      </p:ext>
+    </p:extLst>
+  </p:cSld>
+  <p:clrMapOvr>
+    <a:masterClrMapping/>
+  </p:clrMapOvr>
+</p:sld>
+</file>
+
+<file path=ppt/slides/slide14.xml><?xml version="1.0" encoding="utf-8"?>
+<p:sld xmlns:a="http://schemas.openxmlformats.org/drawingml/2006/main" xmlns:r="http://schemas.openxmlformats.org/officeDocument/2006/relationships" xmlns:p="http://schemas.openxmlformats.org/presentationml/2006/main">
+  <p:cSld>
+    <p:spTree>
+      <p:nvGrpSpPr>
+        <p:cNvPr id="1" name=""/>
+        <p:cNvGrpSpPr/>
+        <p:nvPr/>
+      </p:nvGrpSpPr>
+      <p:grpSpPr>
+        <a:xfrm>
+          <a:off x="0" y="0"/>
+          <a:ext cx="0" cy="0"/>
+          <a:chOff x="0" y="0"/>
+          <a:chExt cx="0" cy="0"/>
+        </a:xfrm>
+      </p:grpSpPr>
+      <p:sp>
+        <p:nvSpPr>
+          <p:cNvPr id="2" name="标题 1">
+            <a:extLst>
+              <a:ext uri="{FF2B5EF4-FFF2-40B4-BE49-F238E27FC236}">
+                <a16:creationId xmlns:a16="http://schemas.microsoft.com/office/drawing/2014/main" id="{A615F081-2878-5F49-968F-A8F9D2C993A3}"/>
+              </a:ext>
+            </a:extLst>
+          </p:cNvPr>
+          <p:cNvSpPr>
+            <a:spLocks noGrp="1"/>
+          </p:cNvSpPr>
+          <p:nvPr>
+            <p:ph type="title"/>
+          </p:nvPr>
+        </p:nvSpPr>
+        <p:spPr/>
+        <p:txBody>
+          <a:bodyPr>
+            <a:normAutofit/>
+          </a:bodyPr>
+          <a:lstStyle/>
+          <a:p>
+            <a:r>
+              <a:rPr kumimoji="1" lang="en-US" altLang="zh-CN" b="1" dirty="0">
+                <a:latin typeface="Times New Roman" panose="02020603050405020304" pitchFamily="18" charset="0"/>
+                <a:cs typeface="Times New Roman" panose="02020603050405020304" pitchFamily="18" charset="0"/>
+              </a:rPr>
+              <a:t>3. Insights &amp; Action Plan</a:t>
+            </a:r>
+            <a:br>
+              <a:rPr kumimoji="1" lang="en-US" altLang="zh-CN" b="1" dirty="0">
+                <a:latin typeface="Times New Roman" panose="02020603050405020304" pitchFamily="18" charset="0"/>
+                <a:cs typeface="Times New Roman" panose="02020603050405020304" pitchFamily="18" charset="0"/>
+              </a:rPr>
+            </a:br>
+            <a:r>
+              <a:rPr kumimoji="1" lang="en-US" altLang="zh-CN" sz="3600" b="1" dirty="0">
+                <a:latin typeface="Times New Roman" panose="02020603050405020304" pitchFamily="18" charset="0"/>
+                <a:cs typeface="Times New Roman" panose="02020603050405020304" pitchFamily="18" charset="0"/>
+              </a:rPr>
+              <a:t>3.1 </a:t>
+            </a:r>
+            <a:r>
+              <a:rPr kumimoji="1" lang="en-US" sz="3600" b="1" dirty="0">
+                <a:latin typeface="Times New Roman" panose="02020603050405020304" pitchFamily="18" charset="0"/>
+                <a:cs typeface="Times New Roman" panose="02020603050405020304" pitchFamily="18" charset="0"/>
+              </a:rPr>
+              <a:t>Overall Ratings</a:t>
+            </a:r>
+            <a:endParaRPr kumimoji="1" lang="zh-CN" altLang="en-US" b="1" dirty="0">
+              <a:latin typeface="Times New Roman" panose="02020603050405020304" pitchFamily="18" charset="0"/>
+              <a:cs typeface="Times New Roman" panose="02020603050405020304" pitchFamily="18" charset="0"/>
+            </a:endParaRPr>
+          </a:p>
+        </p:txBody>
+      </p:sp>
+      <p:sp>
+        <p:nvSpPr>
+          <p:cNvPr id="11" name="Content Placeholder 2">
+            <a:extLst>
+              <a:ext uri="{FF2B5EF4-FFF2-40B4-BE49-F238E27FC236}">
+                <a16:creationId xmlns:a16="http://schemas.microsoft.com/office/drawing/2014/main" id="{EF24A5EE-35E2-4E80-AE08-C82DEC972C47}"/>
+              </a:ext>
+            </a:extLst>
+          </p:cNvPr>
+          <p:cNvSpPr txBox="1">
+            <a:spLocks/>
+          </p:cNvSpPr>
+          <p:nvPr/>
+        </p:nvSpPr>
+        <p:spPr>
+          <a:xfrm>
+            <a:off x="575568" y="1705807"/>
+            <a:ext cx="10515600" cy="4351338"/>
+          </a:xfrm>
+          <a:prstGeom prst="rect">
+            <a:avLst/>
+          </a:prstGeom>
+        </p:spPr>
+        <p:txBody>
+          <a:bodyPr vert="horz" lIns="91440" tIns="45720" rIns="91440" bIns="45720" rtlCol="0">
+            <a:normAutofit/>
+          </a:bodyPr>
+          <a:lstStyle>
+            <a:lvl1pPr marL="228600" indent="-228600" algn="l" defTabSz="914400" rtl="0" eaLnBrk="1" latinLnBrk="0" hangingPunct="1">
+              <a:lnSpc>
+                <a:spcPct val="90000"/>
+              </a:lnSpc>
+              <a:spcBef>
+                <a:spcPts val="1000"/>
+              </a:spcBef>
+              <a:buFont typeface="Arial" panose="020B0604020202020204" pitchFamily="34" charset="0"/>
+              <a:buChar char="•"/>
+              <a:defRPr sz="2800" b="0" i="0" kern="1200">
+                <a:solidFill>
+                  <a:schemeClr val="tx1"/>
+                </a:solidFill>
+                <a:latin typeface="Times New Roman" panose="02020603050405020304" pitchFamily="18" charset="0"/>
+                <a:ea typeface="+mn-ea"/>
+                <a:cs typeface="+mn-cs"/>
+              </a:defRPr>
+            </a:lvl1pPr>
+            <a:lvl2pPr marL="685800" indent="-228600" algn="l" defTabSz="914400" rtl="0" eaLnBrk="1" latinLnBrk="0" hangingPunct="1">
+              <a:lnSpc>
+                <a:spcPct val="90000"/>
+              </a:lnSpc>
+              <a:spcBef>
+                <a:spcPts val="500"/>
+              </a:spcBef>
+              <a:buFont typeface="Arial" panose="020B0604020202020204" pitchFamily="34" charset="0"/>
+              <a:buChar char="•"/>
+              <a:defRPr sz="2400" b="0" i="0" kern="1200">
+                <a:solidFill>
+                  <a:schemeClr val="tx1"/>
+                </a:solidFill>
+                <a:latin typeface="Times New Roman" panose="02020603050405020304" pitchFamily="18" charset="0"/>
+                <a:ea typeface="+mn-ea"/>
+                <a:cs typeface="+mn-cs"/>
+              </a:defRPr>
+            </a:lvl2pPr>
+            <a:lvl3pPr marL="1143000" indent="-228600" algn="l" defTabSz="914400" rtl="0" eaLnBrk="1" latinLnBrk="0" hangingPunct="1">
+              <a:lnSpc>
+                <a:spcPct val="90000"/>
+              </a:lnSpc>
+              <a:spcBef>
+                <a:spcPts val="500"/>
+              </a:spcBef>
+              <a:buFont typeface="Arial" panose="020B0604020202020204" pitchFamily="34" charset="0"/>
+              <a:buChar char="•"/>
+              <a:defRPr sz="2000" b="0" i="0" kern="1200">
+                <a:solidFill>
+                  <a:schemeClr val="tx1"/>
+                </a:solidFill>
+                <a:latin typeface="Times New Roman" panose="02020603050405020304" pitchFamily="18" charset="0"/>
+                <a:ea typeface="+mn-ea"/>
+                <a:cs typeface="+mn-cs"/>
+              </a:defRPr>
+            </a:lvl3pPr>
+            <a:lvl4pPr marL="1600200" indent="-228600" algn="l" defTabSz="914400" rtl="0" eaLnBrk="1" latinLnBrk="0" hangingPunct="1">
+              <a:lnSpc>
+                <a:spcPct val="90000"/>
+              </a:lnSpc>
+              <a:spcBef>
+                <a:spcPts val="500"/>
+              </a:spcBef>
+              <a:buFont typeface="Arial" panose="020B0604020202020204" pitchFamily="34" charset="0"/>
+              <a:buChar char="•"/>
+              <a:defRPr sz="1800" b="0" i="0" kern="1200">
+                <a:solidFill>
+                  <a:schemeClr val="tx1"/>
+                </a:solidFill>
+                <a:latin typeface="Times New Roman" panose="02020603050405020304" pitchFamily="18" charset="0"/>
+                <a:ea typeface="+mn-ea"/>
+                <a:cs typeface="+mn-cs"/>
+              </a:defRPr>
+            </a:lvl4pPr>
+            <a:lvl5pPr marL="2057400" indent="-228600" algn="l" defTabSz="914400" rtl="0" eaLnBrk="1" latinLnBrk="0" hangingPunct="1">
+              <a:lnSpc>
+                <a:spcPct val="90000"/>
+              </a:lnSpc>
+              <a:spcBef>
+                <a:spcPts val="500"/>
+              </a:spcBef>
+              <a:buFont typeface="Arial" panose="020B0604020202020204" pitchFamily="34" charset="0"/>
+              <a:buChar char="•"/>
+              <a:defRPr sz="1800" b="0" i="0" kern="1200">
+                <a:solidFill>
+                  <a:schemeClr val="tx1"/>
+                </a:solidFill>
+                <a:latin typeface="Times New Roman" panose="02020603050405020304" pitchFamily="18" charset="0"/>
+                <a:ea typeface="+mn-ea"/>
+                <a:cs typeface="+mn-cs"/>
+              </a:defRPr>
+            </a:lvl5pPr>
+            <a:lvl6pPr marL="2514600" indent="-228600" algn="l" defTabSz="914400" rtl="0" eaLnBrk="1" latinLnBrk="0" hangingPunct="1">
+              <a:lnSpc>
+                <a:spcPct val="90000"/>
+              </a:lnSpc>
+              <a:spcBef>
+                <a:spcPts val="500"/>
+              </a:spcBef>
+              <a:buFont typeface="Arial" panose="020B0604020202020204" pitchFamily="34" charset="0"/>
+              <a:buChar char="•"/>
+              <a:defRPr sz="1800" kern="1200">
+                <a:solidFill>
+                  <a:schemeClr val="tx1"/>
+                </a:solidFill>
+                <a:latin typeface="+mn-lt"/>
+                <a:ea typeface="+mn-ea"/>
+                <a:cs typeface="+mn-cs"/>
+              </a:defRPr>
+            </a:lvl6pPr>
+            <a:lvl7pPr marL="2971800" indent="-228600" algn="l" defTabSz="914400" rtl="0" eaLnBrk="1" latinLnBrk="0" hangingPunct="1">
+              <a:lnSpc>
+                <a:spcPct val="90000"/>
+              </a:lnSpc>
+              <a:spcBef>
+                <a:spcPts val="500"/>
+              </a:spcBef>
+              <a:buFont typeface="Arial" panose="020B0604020202020204" pitchFamily="34" charset="0"/>
+              <a:buChar char="•"/>
+              <a:defRPr sz="1800" kern="1200">
+                <a:solidFill>
+                  <a:schemeClr val="tx1"/>
+                </a:solidFill>
+                <a:latin typeface="+mn-lt"/>
+                <a:ea typeface="+mn-ea"/>
+                <a:cs typeface="+mn-cs"/>
+              </a:defRPr>
+            </a:lvl7pPr>
+            <a:lvl8pPr marL="3429000" indent="-228600" algn="l" defTabSz="914400" rtl="0" eaLnBrk="1" latinLnBrk="0" hangingPunct="1">
+              <a:lnSpc>
+                <a:spcPct val="90000"/>
+              </a:lnSpc>
+              <a:spcBef>
+                <a:spcPts val="500"/>
+              </a:spcBef>
+              <a:buFont typeface="Arial" panose="020B0604020202020204" pitchFamily="34" charset="0"/>
+              <a:buChar char="•"/>
+              <a:defRPr sz="1800" kern="1200">
+                <a:solidFill>
+                  <a:schemeClr val="tx1"/>
+                </a:solidFill>
+                <a:latin typeface="+mn-lt"/>
+                <a:ea typeface="+mn-ea"/>
+                <a:cs typeface="+mn-cs"/>
+              </a:defRPr>
+            </a:lvl8pPr>
+            <a:lvl9pPr marL="3886200" indent="-228600" algn="l" defTabSz="914400" rtl="0" eaLnBrk="1" latinLnBrk="0" hangingPunct="1">
+              <a:lnSpc>
+                <a:spcPct val="90000"/>
+              </a:lnSpc>
+              <a:spcBef>
+                <a:spcPts val="500"/>
+              </a:spcBef>
+              <a:buFont typeface="Arial" panose="020B0604020202020204" pitchFamily="34" charset="0"/>
+              <a:buChar char="•"/>
+              <a:defRPr sz="1800" kern="1200">
+                <a:solidFill>
+                  <a:schemeClr val="tx1"/>
+                </a:solidFill>
+                <a:latin typeface="+mn-lt"/>
+                <a:ea typeface="+mn-ea"/>
+                <a:cs typeface="+mn-cs"/>
+              </a:defRPr>
+            </a:lvl9pPr>
+          </a:lstStyle>
+          <a:p>
+            <a:r>
+              <a:rPr lang="en-US" altLang="zh-CN" dirty="0"/>
+              <a:t>Error free</a:t>
+            </a:r>
+            <a:endParaRPr lang="en-US" dirty="0"/>
+          </a:p>
+          <a:p>
+            <a:endParaRPr lang="en-US" dirty="0"/>
+          </a:p>
+        </p:txBody>
+      </p:sp>
+      <p:pic>
+        <p:nvPicPr>
+          <p:cNvPr id="12" name="图片 11">
+            <a:extLst>
+              <a:ext uri="{FF2B5EF4-FFF2-40B4-BE49-F238E27FC236}">
+                <a16:creationId xmlns:a16="http://schemas.microsoft.com/office/drawing/2014/main" id="{446F048F-C588-4C0E-A32F-9230B88DDD65}"/>
+              </a:ext>
+            </a:extLst>
+          </p:cNvPr>
+          <p:cNvPicPr>
+            <a:picLocks noChangeAspect="1"/>
+          </p:cNvPicPr>
+          <p:nvPr/>
+        </p:nvPicPr>
+        <p:blipFill>
+          <a:blip r:embed="rId2"/>
+          <a:stretch>
+            <a:fillRect/>
+          </a:stretch>
+        </p:blipFill>
+        <p:spPr>
+          <a:xfrm>
+            <a:off x="1523884" y="2300037"/>
+            <a:ext cx="8618967" cy="3772227"/>
+          </a:xfrm>
+          <a:prstGeom prst="rect">
+            <a:avLst/>
+          </a:prstGeom>
+        </p:spPr>
+      </p:pic>
+    </p:spTree>
+    <p:extLst>
+      <p:ext uri="{BB962C8B-B14F-4D97-AF65-F5344CB8AC3E}">
+        <p14:creationId xmlns:p14="http://schemas.microsoft.com/office/powerpoint/2010/main" val="3945127505"/>
+      </p:ext>
+    </p:extLst>
+  </p:cSld>
+  <p:clrMapOvr>
+    <a:masterClrMapping/>
+  </p:clrMapOvr>
+</p:sld>
+</file>
+
+<file path=ppt/slides/slide15.xml><?xml version="1.0" encoding="utf-8"?>
+<p:sld xmlns:a="http://schemas.openxmlformats.org/drawingml/2006/main" xmlns:r="http://schemas.openxmlformats.org/officeDocument/2006/relationships" xmlns:p="http://schemas.openxmlformats.org/presentationml/2006/main">
+  <p:cSld>
+    <p:spTree>
+      <p:nvGrpSpPr>
+        <p:cNvPr id="1" name=""/>
+        <p:cNvGrpSpPr/>
+        <p:nvPr/>
+      </p:nvGrpSpPr>
+      <p:grpSpPr>
+        <a:xfrm>
+          <a:off x="0" y="0"/>
+          <a:ext cx="0" cy="0"/>
+          <a:chOff x="0" y="0"/>
+          <a:chExt cx="0" cy="0"/>
+        </a:xfrm>
+      </p:grpSpPr>
+      <p:sp>
+        <p:nvSpPr>
+          <p:cNvPr id="2" name="标题 1">
+            <a:extLst>
+              <a:ext uri="{FF2B5EF4-FFF2-40B4-BE49-F238E27FC236}">
+                <a16:creationId xmlns:a16="http://schemas.microsoft.com/office/drawing/2014/main" id="{A615F081-2878-5F49-968F-A8F9D2C993A3}"/>
+              </a:ext>
+            </a:extLst>
+          </p:cNvPr>
+          <p:cNvSpPr>
+            <a:spLocks noGrp="1"/>
+          </p:cNvSpPr>
+          <p:nvPr>
+            <p:ph type="title"/>
+          </p:nvPr>
+        </p:nvSpPr>
+        <p:spPr/>
+        <p:txBody>
+          <a:bodyPr>
+            <a:normAutofit/>
+          </a:bodyPr>
+          <a:lstStyle/>
+          <a:p>
+            <a:r>
+              <a:rPr kumimoji="1" lang="en-US" altLang="zh-CN" b="1" dirty="0">
+                <a:latin typeface="Times New Roman" panose="02020603050405020304" pitchFamily="18" charset="0"/>
+                <a:cs typeface="Times New Roman" panose="02020603050405020304" pitchFamily="18" charset="0"/>
+              </a:rPr>
+              <a:t>3. Insights &amp; Action Plan</a:t>
+            </a:r>
+            <a:br>
+              <a:rPr kumimoji="1" lang="en-US" altLang="zh-CN" b="1" dirty="0">
+                <a:latin typeface="Times New Roman" panose="02020603050405020304" pitchFamily="18" charset="0"/>
+                <a:cs typeface="Times New Roman" panose="02020603050405020304" pitchFamily="18" charset="0"/>
+              </a:rPr>
+            </a:br>
+            <a:r>
+              <a:rPr kumimoji="1" lang="en-US" altLang="zh-CN" sz="3600" b="1" dirty="0">
+                <a:latin typeface="Times New Roman" panose="02020603050405020304" pitchFamily="18" charset="0"/>
+                <a:cs typeface="Times New Roman" panose="02020603050405020304" pitchFamily="18" charset="0"/>
+              </a:rPr>
+              <a:t>3.1 </a:t>
+            </a:r>
+            <a:r>
+              <a:rPr kumimoji="1" lang="en-US" sz="3600" b="1" dirty="0">
+                <a:latin typeface="Times New Roman" panose="02020603050405020304" pitchFamily="18" charset="0"/>
+                <a:cs typeface="Times New Roman" panose="02020603050405020304" pitchFamily="18" charset="0"/>
+              </a:rPr>
+              <a:t>Overall Ratings</a:t>
+            </a:r>
+            <a:endParaRPr kumimoji="1" lang="zh-CN" altLang="en-US" b="1" dirty="0">
+              <a:latin typeface="Times New Roman" panose="02020603050405020304" pitchFamily="18" charset="0"/>
+              <a:cs typeface="Times New Roman" panose="02020603050405020304" pitchFamily="18" charset="0"/>
+            </a:endParaRPr>
+          </a:p>
+        </p:txBody>
+      </p:sp>
+      <p:sp>
+        <p:nvSpPr>
+          <p:cNvPr id="11" name="Content Placeholder 2">
+            <a:extLst>
+              <a:ext uri="{FF2B5EF4-FFF2-40B4-BE49-F238E27FC236}">
+                <a16:creationId xmlns:a16="http://schemas.microsoft.com/office/drawing/2014/main" id="{EF24A5EE-35E2-4E80-AE08-C82DEC972C47}"/>
+              </a:ext>
+            </a:extLst>
+          </p:cNvPr>
+          <p:cNvSpPr txBox="1">
+            <a:spLocks/>
+          </p:cNvSpPr>
+          <p:nvPr/>
+        </p:nvSpPr>
+        <p:spPr>
+          <a:xfrm>
+            <a:off x="575568" y="1705807"/>
+            <a:ext cx="10515600" cy="4351338"/>
+          </a:xfrm>
+          <a:prstGeom prst="rect">
+            <a:avLst/>
+          </a:prstGeom>
+        </p:spPr>
+        <p:txBody>
+          <a:bodyPr vert="horz" lIns="91440" tIns="45720" rIns="91440" bIns="45720" rtlCol="0">
+            <a:normAutofit/>
+          </a:bodyPr>
+          <a:lstStyle>
+            <a:lvl1pPr marL="228600" indent="-228600" algn="l" defTabSz="914400" rtl="0" eaLnBrk="1" latinLnBrk="0" hangingPunct="1">
+              <a:lnSpc>
+                <a:spcPct val="90000"/>
+              </a:lnSpc>
+              <a:spcBef>
+                <a:spcPts val="1000"/>
+              </a:spcBef>
+              <a:buFont typeface="Arial" panose="020B0604020202020204" pitchFamily="34" charset="0"/>
+              <a:buChar char="•"/>
+              <a:defRPr sz="2800" b="0" i="0" kern="1200">
+                <a:solidFill>
+                  <a:schemeClr val="tx1"/>
+                </a:solidFill>
+                <a:latin typeface="Times New Roman" panose="02020603050405020304" pitchFamily="18" charset="0"/>
+                <a:ea typeface="+mn-ea"/>
+                <a:cs typeface="+mn-cs"/>
+              </a:defRPr>
+            </a:lvl1pPr>
+            <a:lvl2pPr marL="685800" indent="-228600" algn="l" defTabSz="914400" rtl="0" eaLnBrk="1" latinLnBrk="0" hangingPunct="1">
+              <a:lnSpc>
+                <a:spcPct val="90000"/>
+              </a:lnSpc>
+              <a:spcBef>
+                <a:spcPts val="500"/>
+              </a:spcBef>
+              <a:buFont typeface="Arial" panose="020B0604020202020204" pitchFamily="34" charset="0"/>
+              <a:buChar char="•"/>
+              <a:defRPr sz="2400" b="0" i="0" kern="1200">
+                <a:solidFill>
+                  <a:schemeClr val="tx1"/>
+                </a:solidFill>
+                <a:latin typeface="Times New Roman" panose="02020603050405020304" pitchFamily="18" charset="0"/>
+                <a:ea typeface="+mn-ea"/>
+                <a:cs typeface="+mn-cs"/>
+              </a:defRPr>
+            </a:lvl2pPr>
+            <a:lvl3pPr marL="1143000" indent="-228600" algn="l" defTabSz="914400" rtl="0" eaLnBrk="1" latinLnBrk="0" hangingPunct="1">
+              <a:lnSpc>
+                <a:spcPct val="90000"/>
+              </a:lnSpc>
+              <a:spcBef>
+                <a:spcPts val="500"/>
+              </a:spcBef>
+              <a:buFont typeface="Arial" panose="020B0604020202020204" pitchFamily="34" charset="0"/>
+              <a:buChar char="•"/>
+              <a:defRPr sz="2000" b="0" i="0" kern="1200">
+                <a:solidFill>
+                  <a:schemeClr val="tx1"/>
+                </a:solidFill>
+                <a:latin typeface="Times New Roman" panose="02020603050405020304" pitchFamily="18" charset="0"/>
+                <a:ea typeface="+mn-ea"/>
+                <a:cs typeface="+mn-cs"/>
+              </a:defRPr>
+            </a:lvl3pPr>
+            <a:lvl4pPr marL="1600200" indent="-228600" algn="l" defTabSz="914400" rtl="0" eaLnBrk="1" latinLnBrk="0" hangingPunct="1">
+              <a:lnSpc>
+                <a:spcPct val="90000"/>
+              </a:lnSpc>
+              <a:spcBef>
+                <a:spcPts val="500"/>
+              </a:spcBef>
+              <a:buFont typeface="Arial" panose="020B0604020202020204" pitchFamily="34" charset="0"/>
+              <a:buChar char="•"/>
+              <a:defRPr sz="1800" b="0" i="0" kern="1200">
+                <a:solidFill>
+                  <a:schemeClr val="tx1"/>
+                </a:solidFill>
+                <a:latin typeface="Times New Roman" panose="02020603050405020304" pitchFamily="18" charset="0"/>
+                <a:ea typeface="+mn-ea"/>
+                <a:cs typeface="+mn-cs"/>
+              </a:defRPr>
+            </a:lvl4pPr>
+            <a:lvl5pPr marL="2057400" indent="-228600" algn="l" defTabSz="914400" rtl="0" eaLnBrk="1" latinLnBrk="0" hangingPunct="1">
+              <a:lnSpc>
+                <a:spcPct val="90000"/>
+              </a:lnSpc>
+              <a:spcBef>
+                <a:spcPts val="500"/>
+              </a:spcBef>
+              <a:buFont typeface="Arial" panose="020B0604020202020204" pitchFamily="34" charset="0"/>
+              <a:buChar char="•"/>
+              <a:defRPr sz="1800" b="0" i="0" kern="1200">
+                <a:solidFill>
+                  <a:schemeClr val="tx1"/>
+                </a:solidFill>
+                <a:latin typeface="Times New Roman" panose="02020603050405020304" pitchFamily="18" charset="0"/>
+                <a:ea typeface="+mn-ea"/>
+                <a:cs typeface="+mn-cs"/>
+              </a:defRPr>
+            </a:lvl5pPr>
+            <a:lvl6pPr marL="2514600" indent="-228600" algn="l" defTabSz="914400" rtl="0" eaLnBrk="1" latinLnBrk="0" hangingPunct="1">
+              <a:lnSpc>
+                <a:spcPct val="90000"/>
+              </a:lnSpc>
+              <a:spcBef>
+                <a:spcPts val="500"/>
+              </a:spcBef>
+              <a:buFont typeface="Arial" panose="020B0604020202020204" pitchFamily="34" charset="0"/>
+              <a:buChar char="•"/>
+              <a:defRPr sz="1800" kern="1200">
+                <a:solidFill>
+                  <a:schemeClr val="tx1"/>
+                </a:solidFill>
+                <a:latin typeface="+mn-lt"/>
+                <a:ea typeface="+mn-ea"/>
+                <a:cs typeface="+mn-cs"/>
+              </a:defRPr>
+            </a:lvl6pPr>
+            <a:lvl7pPr marL="2971800" indent="-228600" algn="l" defTabSz="914400" rtl="0" eaLnBrk="1" latinLnBrk="0" hangingPunct="1">
+              <a:lnSpc>
+                <a:spcPct val="90000"/>
+              </a:lnSpc>
+              <a:spcBef>
+                <a:spcPts val="500"/>
+              </a:spcBef>
+              <a:buFont typeface="Arial" panose="020B0604020202020204" pitchFamily="34" charset="0"/>
+              <a:buChar char="•"/>
+              <a:defRPr sz="1800" kern="1200">
+                <a:solidFill>
+                  <a:schemeClr val="tx1"/>
+                </a:solidFill>
+                <a:latin typeface="+mn-lt"/>
+                <a:ea typeface="+mn-ea"/>
+                <a:cs typeface="+mn-cs"/>
+              </a:defRPr>
+            </a:lvl7pPr>
+            <a:lvl8pPr marL="3429000" indent="-228600" algn="l" defTabSz="914400" rtl="0" eaLnBrk="1" latinLnBrk="0" hangingPunct="1">
+              <a:lnSpc>
+                <a:spcPct val="90000"/>
+              </a:lnSpc>
+              <a:spcBef>
+                <a:spcPts val="500"/>
+              </a:spcBef>
+              <a:buFont typeface="Arial" panose="020B0604020202020204" pitchFamily="34" charset="0"/>
+              <a:buChar char="•"/>
+              <a:defRPr sz="1800" kern="1200">
+                <a:solidFill>
+                  <a:schemeClr val="tx1"/>
+                </a:solidFill>
+                <a:latin typeface="+mn-lt"/>
+                <a:ea typeface="+mn-ea"/>
+                <a:cs typeface="+mn-cs"/>
+              </a:defRPr>
+            </a:lvl8pPr>
+            <a:lvl9pPr marL="3886200" indent="-228600" algn="l" defTabSz="914400" rtl="0" eaLnBrk="1" latinLnBrk="0" hangingPunct="1">
+              <a:lnSpc>
+                <a:spcPct val="90000"/>
+              </a:lnSpc>
+              <a:spcBef>
+                <a:spcPts val="500"/>
+              </a:spcBef>
+              <a:buFont typeface="Arial" panose="020B0604020202020204" pitchFamily="34" charset="0"/>
+              <a:buChar char="•"/>
+              <a:defRPr sz="1800" kern="1200">
+                <a:solidFill>
+                  <a:schemeClr val="tx1"/>
+                </a:solidFill>
+                <a:latin typeface="+mn-lt"/>
+                <a:ea typeface="+mn-ea"/>
+                <a:cs typeface="+mn-cs"/>
+              </a:defRPr>
+            </a:lvl9pPr>
+          </a:lstStyle>
+          <a:p>
+            <a:r>
+              <a:rPr lang="en-US" altLang="zh-CN" dirty="0"/>
+              <a:t>Error free</a:t>
+            </a:r>
+            <a:endParaRPr lang="en-US" dirty="0"/>
+          </a:p>
+          <a:p>
+            <a:endParaRPr lang="en-US" dirty="0"/>
+          </a:p>
+        </p:txBody>
+      </p:sp>
+      <p:pic>
+        <p:nvPicPr>
+          <p:cNvPr id="6" name="图片 5">
+            <a:extLst>
+              <a:ext uri="{FF2B5EF4-FFF2-40B4-BE49-F238E27FC236}">
+                <a16:creationId xmlns:a16="http://schemas.microsoft.com/office/drawing/2014/main" id="{7A4965C6-1251-487E-BCA9-22498FEFBFB4}"/>
+              </a:ext>
+            </a:extLst>
+          </p:cNvPr>
+          <p:cNvPicPr>
+            <a:picLocks noChangeAspect="1"/>
+          </p:cNvPicPr>
+          <p:nvPr/>
+        </p:nvPicPr>
+        <p:blipFill>
+          <a:blip r:embed="rId2"/>
+          <a:stretch>
+            <a:fillRect/>
+          </a:stretch>
+        </p:blipFill>
+        <p:spPr>
+          <a:xfrm>
+            <a:off x="1520074" y="2246815"/>
+            <a:ext cx="8626588" cy="3810330"/>
+          </a:xfrm>
+          <a:prstGeom prst="rect">
+            <a:avLst/>
+          </a:prstGeom>
+        </p:spPr>
+      </p:pic>
+    </p:spTree>
+    <p:extLst>
+      <p:ext uri="{BB962C8B-B14F-4D97-AF65-F5344CB8AC3E}">
+        <p14:creationId xmlns:p14="http://schemas.microsoft.com/office/powerpoint/2010/main" val="2807993429"/>
+      </p:ext>
+    </p:extLst>
+  </p:cSld>
+  <p:clrMapOvr>
+    <a:masterClrMapping/>
+  </p:clrMapOvr>
+</p:sld>
+</file>
+
+<file path=ppt/slides/slide16.xml><?xml version="1.0" encoding="utf-8"?>
+<p:sld xmlns:a="http://schemas.openxmlformats.org/drawingml/2006/main" xmlns:r="http://schemas.openxmlformats.org/officeDocument/2006/relationships" xmlns:p="http://schemas.openxmlformats.org/presentationml/2006/main">
+  <p:cSld>
+    <p:spTree>
+      <p:nvGrpSpPr>
+        <p:cNvPr id="1" name=""/>
+        <p:cNvGrpSpPr/>
+        <p:nvPr/>
+      </p:nvGrpSpPr>
+      <p:grpSpPr>
+        <a:xfrm>
+          <a:off x="0" y="0"/>
+          <a:ext cx="0" cy="0"/>
+          <a:chOff x="0" y="0"/>
+          <a:chExt cx="0" cy="0"/>
+        </a:xfrm>
+      </p:grpSpPr>
+      <p:sp>
+        <p:nvSpPr>
+          <p:cNvPr id="2" name="标题 1">
+            <a:extLst>
+              <a:ext uri="{FF2B5EF4-FFF2-40B4-BE49-F238E27FC236}">
                 <a16:creationId xmlns:a16="http://schemas.microsoft.com/office/drawing/2014/main" id="{A615F081-2878-5F49-968F-A8F9D2C993A3}"/>
               </a:ext>
             </a:extLst>
@@ -4553,78 +6034,6 @@
           </a:xfrm>
         </p:spPr>
       </p:pic>
-      <p:pic>
-        <p:nvPicPr>
-          <p:cNvPr id="10" name="Content Placeholder 6" descr="A picture containing logo&#10;&#10;Description automatically generated">
-            <a:extLst>
-              <a:ext uri="{FF2B5EF4-FFF2-40B4-BE49-F238E27FC236}">
-                <a16:creationId xmlns:a16="http://schemas.microsoft.com/office/drawing/2014/main" id="{0B84F9CA-3809-4E9C-B11E-39BD8A99D51D}"/>
-              </a:ext>
-            </a:extLst>
-          </p:cNvPr>
-          <p:cNvPicPr>
-            <a:picLocks noChangeAspect="1"/>
-          </p:cNvPicPr>
-          <p:nvPr/>
-        </p:nvPicPr>
-        <p:blipFill>
-          <a:blip r:embed="rId2"/>
-          <a:stretch>
-            <a:fillRect/>
-          </a:stretch>
-        </p:blipFill>
-        <p:spPr>
-          <a:xfrm>
-            <a:off x="2223526" y="2210323"/>
-            <a:ext cx="8049748" cy="3886742"/>
-          </a:xfrm>
-          <a:prstGeom prst="rect">
-            <a:avLst/>
-          </a:prstGeom>
-        </p:spPr>
-      </p:pic>
-      <p:sp>
-        <p:nvSpPr>
-          <p:cNvPr id="11" name="TextBox 10">
-            <a:extLst>
-              <a:ext uri="{FF2B5EF4-FFF2-40B4-BE49-F238E27FC236}">
-                <a16:creationId xmlns:a16="http://schemas.microsoft.com/office/drawing/2014/main" id="{454D63E6-929D-46FF-8421-A0BA80E97C2E}"/>
-              </a:ext>
-            </a:extLst>
-          </p:cNvPr>
-          <p:cNvSpPr txBox="1"/>
-          <p:nvPr/>
-        </p:nvSpPr>
-        <p:spPr>
-          <a:xfrm>
-            <a:off x="3047260" y="3198399"/>
-            <a:ext cx="6094520" cy="465640"/>
-          </a:xfrm>
-          <a:prstGeom prst="rect">
-            <a:avLst/>
-          </a:prstGeom>
-          <a:noFill/>
-        </p:spPr>
-        <p:txBody>
-          <a:bodyPr wrap="square">
-            <a:spAutoFit/>
-          </a:bodyPr>
-          <a:lstStyle/>
-          <a:p>
-            <a:pPr lvl="1">
-              <a:lnSpc>
-                <a:spcPct val="150000"/>
-              </a:lnSpc>
-            </a:pPr>
-            <a:r>
-              <a:rPr kumimoji="1" lang="en-US" sz="1800" dirty="0">
-                <a:cs typeface="Times New Roman" panose="02020603050405020304" pitchFamily="18" charset="0"/>
-              </a:rPr>
-              <a:t>1. Overall Ratings</a:t>
-            </a:r>
-          </a:p>
-        </p:txBody>
-      </p:sp>
     </p:spTree>
     <p:extLst>
       <p:ext uri="{BB962C8B-B14F-4D97-AF65-F5344CB8AC3E}">
@@ -4638,7 +6047,7 @@
 </p:sld>
 </file>
 
-<file path=ppt/slides/slide13.xml><?xml version="1.0" encoding="utf-8"?>
+<file path=ppt/slides/slide17.xml><?xml version="1.0" encoding="utf-8"?>
 <p:sld xmlns:a="http://schemas.openxmlformats.org/drawingml/2006/main" xmlns:r="http://schemas.openxmlformats.org/officeDocument/2006/relationships" xmlns:p="http://schemas.openxmlformats.org/presentationml/2006/main">
   <p:cSld>
     <p:spTree>
@@ -4752,7 +6161,7 @@
 </p:sld>
 </file>
 
-<file path=ppt/slides/slide14.xml><?xml version="1.0" encoding="utf-8"?>
+<file path=ppt/slides/slide18.xml><?xml version="1.0" encoding="utf-8"?>
 <p:sld xmlns:a="http://schemas.openxmlformats.org/drawingml/2006/main" xmlns:r="http://schemas.openxmlformats.org/officeDocument/2006/relationships" xmlns:p="http://schemas.openxmlformats.org/presentationml/2006/main">
   <p:cSld>
     <p:spTree>
@@ -4892,7 +6301,7 @@
 </p:sld>
 </file>
 
-<file path=ppt/slides/slide15.xml><?xml version="1.0" encoding="utf-8"?>
+<file path=ppt/slides/slide19.xml><?xml version="1.0" encoding="utf-8"?>
 <p:sld xmlns:a="http://schemas.openxmlformats.org/drawingml/2006/main" xmlns:r="http://schemas.openxmlformats.org/officeDocument/2006/relationships" xmlns:p="http://schemas.openxmlformats.org/presentationml/2006/main">
   <p:cSld>
     <p:spTree>
@@ -4997,7 +6406,7 @@
         </p:spPr>
         <p:txBody>
           <a:bodyPr vert="horz" lIns="91440" tIns="45720" rIns="91440" bIns="45720" rtlCol="0">
-            <a:normAutofit/>
+            <a:normAutofit fontScale="92500" lnSpcReduction="10000"/>
           </a:bodyPr>
           <a:lstStyle>
             <a:lvl1pPr marL="228600" indent="-228600" algn="l" defTabSz="914400" rtl="0" eaLnBrk="1" latinLnBrk="0" hangingPunct="1">
@@ -5188,6 +6597,25 @@
               <a:rPr lang="en-US" altLang="zh-CN" sz="2600" dirty="0"/>
               <a:t>We give separate suggestions to individual physical store of the chain stores, since we believe they may perform differently. For example, we give suggestions on providing outdoor seats to the McDonald's at 3051 E Washington Ave, Madison, but not to McDonald's at 4020 Milwaukee St, Madison.</a:t>
             </a:r>
+          </a:p>
+          <a:p>
+            <a:pPr lvl="1">
+              <a:lnSpc>
+                <a:spcPct val="150000"/>
+              </a:lnSpc>
+            </a:pPr>
+            <a:r>
+              <a:rPr lang="en-US" altLang="zh-CN" sz="2600" dirty="0"/>
+              <a:t>The method is applicable and improvable. We can apply it to larger data sets or data set for other industries. </a:t>
+            </a:r>
+          </a:p>
+          <a:p>
+            <a:pPr lvl="1">
+              <a:lnSpc>
+                <a:spcPct val="150000"/>
+              </a:lnSpc>
+            </a:pPr>
+            <a:endParaRPr lang="en-US" altLang="zh-CN" sz="2600" dirty="0"/>
           </a:p>
         </p:txBody>
       </p:sp>
@@ -5195,652 +6623,6 @@
     <p:extLst>
       <p:ext uri="{BB962C8B-B14F-4D97-AF65-F5344CB8AC3E}">
         <p14:creationId xmlns:p14="http://schemas.microsoft.com/office/powerpoint/2010/main" val="16735003"/>
-      </p:ext>
-    </p:extLst>
-  </p:cSld>
-  <p:clrMapOvr>
-    <a:masterClrMapping/>
-  </p:clrMapOvr>
-</p:sld>
-</file>
-
-<file path=ppt/slides/slide16.xml><?xml version="1.0" encoding="utf-8"?>
-<p:sld xmlns:a="http://schemas.openxmlformats.org/drawingml/2006/main" xmlns:r="http://schemas.openxmlformats.org/officeDocument/2006/relationships" xmlns:p="http://schemas.openxmlformats.org/presentationml/2006/main">
-  <p:cSld>
-    <p:spTree>
-      <p:nvGrpSpPr>
-        <p:cNvPr id="1" name=""/>
-        <p:cNvGrpSpPr/>
-        <p:nvPr/>
-      </p:nvGrpSpPr>
-      <p:grpSpPr>
-        <a:xfrm>
-          <a:off x="0" y="0"/>
-          <a:ext cx="0" cy="0"/>
-          <a:chOff x="0" y="0"/>
-          <a:chExt cx="0" cy="0"/>
-        </a:xfrm>
-      </p:grpSpPr>
-      <p:sp>
-        <p:nvSpPr>
-          <p:cNvPr id="2" name="标题 1">
-            <a:extLst>
-              <a:ext uri="{FF2B5EF4-FFF2-40B4-BE49-F238E27FC236}">
-                <a16:creationId xmlns:a16="http://schemas.microsoft.com/office/drawing/2014/main" id="{23B55658-A030-A841-9F74-096EB74C127F}"/>
-              </a:ext>
-            </a:extLst>
-          </p:cNvPr>
-          <p:cNvSpPr>
-            <a:spLocks noGrp="1"/>
-          </p:cNvSpPr>
-          <p:nvPr>
-            <p:ph type="title"/>
-          </p:nvPr>
-        </p:nvSpPr>
-        <p:spPr/>
-        <p:txBody>
-          <a:bodyPr/>
-          <a:lstStyle/>
-          <a:p>
-            <a:r>
-              <a:rPr kumimoji="1" lang="en-US" altLang="zh-CN" b="1" dirty="0">
-                <a:latin typeface="Times New Roman" panose="02020603050405020304" pitchFamily="18" charset="0"/>
-                <a:cs typeface="Times New Roman" panose="02020603050405020304" pitchFamily="18" charset="0"/>
-              </a:rPr>
-              <a:t>4. Strengths</a:t>
-            </a:r>
-            <a:r>
-              <a:rPr kumimoji="1" lang="zh-CN" altLang="en-US" b="1" dirty="0">
-                <a:latin typeface="Times New Roman" panose="02020603050405020304" pitchFamily="18" charset="0"/>
-                <a:cs typeface="Times New Roman" panose="02020603050405020304" pitchFamily="18" charset="0"/>
-              </a:rPr>
-              <a:t> </a:t>
-            </a:r>
-            <a:r>
-              <a:rPr kumimoji="1" lang="en-US" altLang="zh-CN" b="1" dirty="0">
-                <a:latin typeface="Times New Roman" panose="02020603050405020304" pitchFamily="18" charset="0"/>
-                <a:cs typeface="Times New Roman" panose="02020603050405020304" pitchFamily="18" charset="0"/>
-              </a:rPr>
-              <a:t>and</a:t>
-            </a:r>
-            <a:r>
-              <a:rPr kumimoji="1" lang="zh-CN" altLang="en-US" b="1" dirty="0">
-                <a:latin typeface="Times New Roman" panose="02020603050405020304" pitchFamily="18" charset="0"/>
-                <a:cs typeface="Times New Roman" panose="02020603050405020304" pitchFamily="18" charset="0"/>
-              </a:rPr>
-              <a:t> </a:t>
-            </a:r>
-            <a:r>
-              <a:rPr kumimoji="1" lang="en-US" altLang="zh-CN" b="1" dirty="0">
-                <a:latin typeface="Times New Roman" panose="02020603050405020304" pitchFamily="18" charset="0"/>
-                <a:cs typeface="Times New Roman" panose="02020603050405020304" pitchFamily="18" charset="0"/>
-              </a:rPr>
-              <a:t>Weaknesses</a:t>
-            </a:r>
-            <a:endParaRPr kumimoji="1" lang="zh-CN" altLang="en-US" b="1" dirty="0">
-              <a:latin typeface="Times New Roman" panose="02020603050405020304" pitchFamily="18" charset="0"/>
-              <a:cs typeface="Times New Roman" panose="02020603050405020304" pitchFamily="18" charset="0"/>
-            </a:endParaRPr>
-          </a:p>
-        </p:txBody>
-      </p:sp>
-      <p:sp>
-        <p:nvSpPr>
-          <p:cNvPr id="4" name="内容占位符 2">
-            <a:extLst>
-              <a:ext uri="{FF2B5EF4-FFF2-40B4-BE49-F238E27FC236}">
-                <a16:creationId xmlns:a16="http://schemas.microsoft.com/office/drawing/2014/main" id="{63DD7DBE-2B24-9840-9D87-B95831EBBDEE}"/>
-              </a:ext>
-            </a:extLst>
-          </p:cNvPr>
-          <p:cNvSpPr txBox="1">
-            <a:spLocks/>
-          </p:cNvSpPr>
-          <p:nvPr/>
-        </p:nvSpPr>
-        <p:spPr>
-          <a:xfrm>
-            <a:off x="722791" y="1712374"/>
-            <a:ext cx="10515600" cy="4351338"/>
-          </a:xfrm>
-          <a:prstGeom prst="rect">
-            <a:avLst/>
-          </a:prstGeom>
-        </p:spPr>
-        <p:txBody>
-          <a:bodyPr vert="horz" lIns="91440" tIns="45720" rIns="91440" bIns="45720" rtlCol="0">
-            <a:normAutofit/>
-          </a:bodyPr>
-          <a:lstStyle>
-            <a:lvl1pPr marL="228600" indent="-228600" algn="l" defTabSz="914400" rtl="0" eaLnBrk="1" latinLnBrk="0" hangingPunct="1">
-              <a:lnSpc>
-                <a:spcPct val="90000"/>
-              </a:lnSpc>
-              <a:spcBef>
-                <a:spcPts val="1000"/>
-              </a:spcBef>
-              <a:buFont typeface="Arial" panose="020B0604020202020204" pitchFamily="34" charset="0"/>
-              <a:buChar char="•"/>
-              <a:defRPr sz="2800" b="0" i="0" kern="1200">
-                <a:solidFill>
-                  <a:schemeClr val="tx1"/>
-                </a:solidFill>
-                <a:latin typeface="Times New Roman" panose="02020603050405020304" pitchFamily="18" charset="0"/>
-                <a:ea typeface="+mn-ea"/>
-                <a:cs typeface="+mn-cs"/>
-              </a:defRPr>
-            </a:lvl1pPr>
-            <a:lvl2pPr marL="685800" indent="-228600" algn="l" defTabSz="914400" rtl="0" eaLnBrk="1" latinLnBrk="0" hangingPunct="1">
-              <a:lnSpc>
-                <a:spcPct val="90000"/>
-              </a:lnSpc>
-              <a:spcBef>
-                <a:spcPts val="500"/>
-              </a:spcBef>
-              <a:buFont typeface="Arial" panose="020B0604020202020204" pitchFamily="34" charset="0"/>
-              <a:buChar char="•"/>
-              <a:defRPr sz="2400" b="0" i="0" kern="1200">
-                <a:solidFill>
-                  <a:schemeClr val="tx1"/>
-                </a:solidFill>
-                <a:latin typeface="Times New Roman" panose="02020603050405020304" pitchFamily="18" charset="0"/>
-                <a:ea typeface="+mn-ea"/>
-                <a:cs typeface="+mn-cs"/>
-              </a:defRPr>
-            </a:lvl2pPr>
-            <a:lvl3pPr marL="1143000" indent="-228600" algn="l" defTabSz="914400" rtl="0" eaLnBrk="1" latinLnBrk="0" hangingPunct="1">
-              <a:lnSpc>
-                <a:spcPct val="90000"/>
-              </a:lnSpc>
-              <a:spcBef>
-                <a:spcPts val="500"/>
-              </a:spcBef>
-              <a:buFont typeface="Arial" panose="020B0604020202020204" pitchFamily="34" charset="0"/>
-              <a:buChar char="•"/>
-              <a:defRPr sz="2000" b="0" i="0" kern="1200">
-                <a:solidFill>
-                  <a:schemeClr val="tx1"/>
-                </a:solidFill>
-                <a:latin typeface="Times New Roman" panose="02020603050405020304" pitchFamily="18" charset="0"/>
-                <a:ea typeface="+mn-ea"/>
-                <a:cs typeface="+mn-cs"/>
-              </a:defRPr>
-            </a:lvl3pPr>
-            <a:lvl4pPr marL="1600200" indent="-228600" algn="l" defTabSz="914400" rtl="0" eaLnBrk="1" latinLnBrk="0" hangingPunct="1">
-              <a:lnSpc>
-                <a:spcPct val="90000"/>
-              </a:lnSpc>
-              <a:spcBef>
-                <a:spcPts val="500"/>
-              </a:spcBef>
-              <a:buFont typeface="Arial" panose="020B0604020202020204" pitchFamily="34" charset="0"/>
-              <a:buChar char="•"/>
-              <a:defRPr sz="1800" b="0" i="0" kern="1200">
-                <a:solidFill>
-                  <a:schemeClr val="tx1"/>
-                </a:solidFill>
-                <a:latin typeface="Times New Roman" panose="02020603050405020304" pitchFamily="18" charset="0"/>
-                <a:ea typeface="+mn-ea"/>
-                <a:cs typeface="+mn-cs"/>
-              </a:defRPr>
-            </a:lvl4pPr>
-            <a:lvl5pPr marL="2057400" indent="-228600" algn="l" defTabSz="914400" rtl="0" eaLnBrk="1" latinLnBrk="0" hangingPunct="1">
-              <a:lnSpc>
-                <a:spcPct val="90000"/>
-              </a:lnSpc>
-              <a:spcBef>
-                <a:spcPts val="500"/>
-              </a:spcBef>
-              <a:buFont typeface="Arial" panose="020B0604020202020204" pitchFamily="34" charset="0"/>
-              <a:buChar char="•"/>
-              <a:defRPr sz="1800" b="0" i="0" kern="1200">
-                <a:solidFill>
-                  <a:schemeClr val="tx1"/>
-                </a:solidFill>
-                <a:latin typeface="Times New Roman" panose="02020603050405020304" pitchFamily="18" charset="0"/>
-                <a:ea typeface="+mn-ea"/>
-                <a:cs typeface="+mn-cs"/>
-              </a:defRPr>
-            </a:lvl5pPr>
-            <a:lvl6pPr marL="2514600" indent="-228600" algn="l" defTabSz="914400" rtl="0" eaLnBrk="1" latinLnBrk="0" hangingPunct="1">
-              <a:lnSpc>
-                <a:spcPct val="90000"/>
-              </a:lnSpc>
-              <a:spcBef>
-                <a:spcPts val="500"/>
-              </a:spcBef>
-              <a:buFont typeface="Arial" panose="020B0604020202020204" pitchFamily="34" charset="0"/>
-              <a:buChar char="•"/>
-              <a:defRPr sz="1800" kern="1200">
-                <a:solidFill>
-                  <a:schemeClr val="tx1"/>
-                </a:solidFill>
-                <a:latin typeface="+mn-lt"/>
-                <a:ea typeface="+mn-ea"/>
-                <a:cs typeface="+mn-cs"/>
-              </a:defRPr>
-            </a:lvl6pPr>
-            <a:lvl7pPr marL="2971800" indent="-228600" algn="l" defTabSz="914400" rtl="0" eaLnBrk="1" latinLnBrk="0" hangingPunct="1">
-              <a:lnSpc>
-                <a:spcPct val="90000"/>
-              </a:lnSpc>
-              <a:spcBef>
-                <a:spcPts val="500"/>
-              </a:spcBef>
-              <a:buFont typeface="Arial" panose="020B0604020202020204" pitchFamily="34" charset="0"/>
-              <a:buChar char="•"/>
-              <a:defRPr sz="1800" kern="1200">
-                <a:solidFill>
-                  <a:schemeClr val="tx1"/>
-                </a:solidFill>
-                <a:latin typeface="+mn-lt"/>
-                <a:ea typeface="+mn-ea"/>
-                <a:cs typeface="+mn-cs"/>
-              </a:defRPr>
-            </a:lvl7pPr>
-            <a:lvl8pPr marL="3429000" indent="-228600" algn="l" defTabSz="914400" rtl="0" eaLnBrk="1" latinLnBrk="0" hangingPunct="1">
-              <a:lnSpc>
-                <a:spcPct val="90000"/>
-              </a:lnSpc>
-              <a:spcBef>
-                <a:spcPts val="500"/>
-              </a:spcBef>
-              <a:buFont typeface="Arial" panose="020B0604020202020204" pitchFamily="34" charset="0"/>
-              <a:buChar char="•"/>
-              <a:defRPr sz="1800" kern="1200">
-                <a:solidFill>
-                  <a:schemeClr val="tx1"/>
-                </a:solidFill>
-                <a:latin typeface="+mn-lt"/>
-                <a:ea typeface="+mn-ea"/>
-                <a:cs typeface="+mn-cs"/>
-              </a:defRPr>
-            </a:lvl8pPr>
-            <a:lvl9pPr marL="3886200" indent="-228600" algn="l" defTabSz="914400" rtl="0" eaLnBrk="1" latinLnBrk="0" hangingPunct="1">
-              <a:lnSpc>
-                <a:spcPct val="90000"/>
-              </a:lnSpc>
-              <a:spcBef>
-                <a:spcPts val="500"/>
-              </a:spcBef>
-              <a:buFont typeface="Arial" panose="020B0604020202020204" pitchFamily="34" charset="0"/>
-              <a:buChar char="•"/>
-              <a:defRPr sz="1800" kern="1200">
-                <a:solidFill>
-                  <a:schemeClr val="tx1"/>
-                </a:solidFill>
-                <a:latin typeface="+mn-lt"/>
-                <a:ea typeface="+mn-ea"/>
-                <a:cs typeface="+mn-cs"/>
-              </a:defRPr>
-            </a:lvl9pPr>
-          </a:lstStyle>
-          <a:p>
-            <a:pPr>
-              <a:lnSpc>
-                <a:spcPct val="150000"/>
-              </a:lnSpc>
-            </a:pPr>
-            <a:r>
-              <a:rPr kumimoji="1" lang="en-US" altLang="zh-CN" b="1" u="sng" dirty="0"/>
-              <a:t>Strengths (cont.):</a:t>
-            </a:r>
-            <a:r>
-              <a:rPr kumimoji="1" lang="en-US" altLang="zh-CN" b="1" dirty="0"/>
-              <a:t> </a:t>
-            </a:r>
-          </a:p>
-          <a:p>
-            <a:pPr lvl="1">
-              <a:lnSpc>
-                <a:spcPct val="150000"/>
-              </a:lnSpc>
-            </a:pPr>
-            <a:r>
-              <a:rPr lang="en-US" altLang="zh-CN" sz="2600" dirty="0"/>
-              <a:t>We selected our indicators from various sources (review, attributes) and using various methods (lasso, t-test and regression tree), which guarantees the significance and accuracy of our model.</a:t>
-            </a:r>
-          </a:p>
-          <a:p>
-            <a:pPr lvl="1">
-              <a:lnSpc>
-                <a:spcPct val="150000"/>
-              </a:lnSpc>
-            </a:pPr>
-            <a:r>
-              <a:rPr lang="en-US" altLang="zh-CN" sz="2600" dirty="0"/>
-              <a:t>The method is applicable and improvable. We can apply it to larger data sets or data set for other industries. </a:t>
-            </a:r>
-          </a:p>
-        </p:txBody>
-      </p:sp>
-    </p:spTree>
-    <p:extLst>
-      <p:ext uri="{BB962C8B-B14F-4D97-AF65-F5344CB8AC3E}">
-        <p14:creationId xmlns:p14="http://schemas.microsoft.com/office/powerpoint/2010/main" val="1218556727"/>
-      </p:ext>
-    </p:extLst>
-  </p:cSld>
-  <p:clrMapOvr>
-    <a:masterClrMapping/>
-  </p:clrMapOvr>
-</p:sld>
-</file>
-
-<file path=ppt/slides/slide17.xml><?xml version="1.0" encoding="utf-8"?>
-<p:sld xmlns:a="http://schemas.openxmlformats.org/drawingml/2006/main" xmlns:r="http://schemas.openxmlformats.org/officeDocument/2006/relationships" xmlns:p="http://schemas.openxmlformats.org/presentationml/2006/main">
-  <p:cSld>
-    <p:spTree>
-      <p:nvGrpSpPr>
-        <p:cNvPr id="1" name=""/>
-        <p:cNvGrpSpPr/>
-        <p:nvPr/>
-      </p:nvGrpSpPr>
-      <p:grpSpPr>
-        <a:xfrm>
-          <a:off x="0" y="0"/>
-          <a:ext cx="0" cy="0"/>
-          <a:chOff x="0" y="0"/>
-          <a:chExt cx="0" cy="0"/>
-        </a:xfrm>
-      </p:grpSpPr>
-      <p:sp>
-        <p:nvSpPr>
-          <p:cNvPr id="2" name="标题 1">
-            <a:extLst>
-              <a:ext uri="{FF2B5EF4-FFF2-40B4-BE49-F238E27FC236}">
-                <a16:creationId xmlns:a16="http://schemas.microsoft.com/office/drawing/2014/main" id="{23B55658-A030-A841-9F74-096EB74C127F}"/>
-              </a:ext>
-            </a:extLst>
-          </p:cNvPr>
-          <p:cNvSpPr>
-            <a:spLocks noGrp="1"/>
-          </p:cNvSpPr>
-          <p:nvPr>
-            <p:ph type="title"/>
-          </p:nvPr>
-        </p:nvSpPr>
-        <p:spPr/>
-        <p:txBody>
-          <a:bodyPr/>
-          <a:lstStyle/>
-          <a:p>
-            <a:r>
-              <a:rPr kumimoji="1" lang="en-US" altLang="zh-CN" b="1" dirty="0">
-                <a:latin typeface="Times New Roman" panose="02020603050405020304" pitchFamily="18" charset="0"/>
-                <a:cs typeface="Times New Roman" panose="02020603050405020304" pitchFamily="18" charset="0"/>
-              </a:rPr>
-              <a:t>4. Strengths</a:t>
-            </a:r>
-            <a:r>
-              <a:rPr kumimoji="1" lang="zh-CN" altLang="en-US" b="1" dirty="0">
-                <a:latin typeface="Times New Roman" panose="02020603050405020304" pitchFamily="18" charset="0"/>
-                <a:cs typeface="Times New Roman" panose="02020603050405020304" pitchFamily="18" charset="0"/>
-              </a:rPr>
-              <a:t> </a:t>
-            </a:r>
-            <a:r>
-              <a:rPr kumimoji="1" lang="en-US" altLang="zh-CN" b="1" dirty="0">
-                <a:latin typeface="Times New Roman" panose="02020603050405020304" pitchFamily="18" charset="0"/>
-                <a:cs typeface="Times New Roman" panose="02020603050405020304" pitchFamily="18" charset="0"/>
-              </a:rPr>
-              <a:t>and</a:t>
-            </a:r>
-            <a:r>
-              <a:rPr kumimoji="1" lang="zh-CN" altLang="en-US" b="1" dirty="0">
-                <a:latin typeface="Times New Roman" panose="02020603050405020304" pitchFamily="18" charset="0"/>
-                <a:cs typeface="Times New Roman" panose="02020603050405020304" pitchFamily="18" charset="0"/>
-              </a:rPr>
-              <a:t> </a:t>
-            </a:r>
-            <a:r>
-              <a:rPr kumimoji="1" lang="en-US" altLang="zh-CN" b="1" dirty="0">
-                <a:latin typeface="Times New Roman" panose="02020603050405020304" pitchFamily="18" charset="0"/>
-                <a:cs typeface="Times New Roman" panose="02020603050405020304" pitchFamily="18" charset="0"/>
-              </a:rPr>
-              <a:t>Weaknesses</a:t>
-            </a:r>
-            <a:endParaRPr kumimoji="1" lang="zh-CN" altLang="en-US" b="1" dirty="0">
-              <a:latin typeface="Times New Roman" panose="02020603050405020304" pitchFamily="18" charset="0"/>
-              <a:cs typeface="Times New Roman" panose="02020603050405020304" pitchFamily="18" charset="0"/>
-            </a:endParaRPr>
-          </a:p>
-        </p:txBody>
-      </p:sp>
-      <p:sp>
-        <p:nvSpPr>
-          <p:cNvPr id="4" name="内容占位符 2">
-            <a:extLst>
-              <a:ext uri="{FF2B5EF4-FFF2-40B4-BE49-F238E27FC236}">
-                <a16:creationId xmlns:a16="http://schemas.microsoft.com/office/drawing/2014/main" id="{63DD7DBE-2B24-9840-9D87-B95831EBBDEE}"/>
-              </a:ext>
-            </a:extLst>
-          </p:cNvPr>
-          <p:cNvSpPr txBox="1">
-            <a:spLocks/>
-          </p:cNvSpPr>
-          <p:nvPr/>
-        </p:nvSpPr>
-        <p:spPr>
-          <a:xfrm>
-            <a:off x="722791" y="1712373"/>
-            <a:ext cx="10977978" cy="4670671"/>
-          </a:xfrm>
-          <a:prstGeom prst="rect">
-            <a:avLst/>
-          </a:prstGeom>
-        </p:spPr>
-        <p:txBody>
-          <a:bodyPr vert="horz" lIns="91440" tIns="45720" rIns="91440" bIns="45720" rtlCol="0">
-            <a:normAutofit fontScale="92500" lnSpcReduction="20000"/>
-          </a:bodyPr>
-          <a:lstStyle>
-            <a:lvl1pPr marL="228600" indent="-228600" algn="l" defTabSz="914400" rtl="0" eaLnBrk="1" latinLnBrk="0" hangingPunct="1">
-              <a:lnSpc>
-                <a:spcPct val="90000"/>
-              </a:lnSpc>
-              <a:spcBef>
-                <a:spcPts val="1000"/>
-              </a:spcBef>
-              <a:buFont typeface="Arial" panose="020B0604020202020204" pitchFamily="34" charset="0"/>
-              <a:buChar char="•"/>
-              <a:defRPr sz="2800" b="0" i="0" kern="1200">
-                <a:solidFill>
-                  <a:schemeClr val="tx1"/>
-                </a:solidFill>
-                <a:latin typeface="Times New Roman" panose="02020603050405020304" pitchFamily="18" charset="0"/>
-                <a:ea typeface="+mn-ea"/>
-                <a:cs typeface="+mn-cs"/>
-              </a:defRPr>
-            </a:lvl1pPr>
-            <a:lvl2pPr marL="685800" indent="-228600" algn="l" defTabSz="914400" rtl="0" eaLnBrk="1" latinLnBrk="0" hangingPunct="1">
-              <a:lnSpc>
-                <a:spcPct val="90000"/>
-              </a:lnSpc>
-              <a:spcBef>
-                <a:spcPts val="500"/>
-              </a:spcBef>
-              <a:buFont typeface="Arial" panose="020B0604020202020204" pitchFamily="34" charset="0"/>
-              <a:buChar char="•"/>
-              <a:defRPr sz="2400" b="0" i="0" kern="1200">
-                <a:solidFill>
-                  <a:schemeClr val="tx1"/>
-                </a:solidFill>
-                <a:latin typeface="Times New Roman" panose="02020603050405020304" pitchFamily="18" charset="0"/>
-                <a:ea typeface="+mn-ea"/>
-                <a:cs typeface="+mn-cs"/>
-              </a:defRPr>
-            </a:lvl2pPr>
-            <a:lvl3pPr marL="1143000" indent="-228600" algn="l" defTabSz="914400" rtl="0" eaLnBrk="1" latinLnBrk="0" hangingPunct="1">
-              <a:lnSpc>
-                <a:spcPct val="90000"/>
-              </a:lnSpc>
-              <a:spcBef>
-                <a:spcPts val="500"/>
-              </a:spcBef>
-              <a:buFont typeface="Arial" panose="020B0604020202020204" pitchFamily="34" charset="0"/>
-              <a:buChar char="•"/>
-              <a:defRPr sz="2000" b="0" i="0" kern="1200">
-                <a:solidFill>
-                  <a:schemeClr val="tx1"/>
-                </a:solidFill>
-                <a:latin typeface="Times New Roman" panose="02020603050405020304" pitchFamily="18" charset="0"/>
-                <a:ea typeface="+mn-ea"/>
-                <a:cs typeface="+mn-cs"/>
-              </a:defRPr>
-            </a:lvl3pPr>
-            <a:lvl4pPr marL="1600200" indent="-228600" algn="l" defTabSz="914400" rtl="0" eaLnBrk="1" latinLnBrk="0" hangingPunct="1">
-              <a:lnSpc>
-                <a:spcPct val="90000"/>
-              </a:lnSpc>
-              <a:spcBef>
-                <a:spcPts val="500"/>
-              </a:spcBef>
-              <a:buFont typeface="Arial" panose="020B0604020202020204" pitchFamily="34" charset="0"/>
-              <a:buChar char="•"/>
-              <a:defRPr sz="1800" b="0" i="0" kern="1200">
-                <a:solidFill>
-                  <a:schemeClr val="tx1"/>
-                </a:solidFill>
-                <a:latin typeface="Times New Roman" panose="02020603050405020304" pitchFamily="18" charset="0"/>
-                <a:ea typeface="+mn-ea"/>
-                <a:cs typeface="+mn-cs"/>
-              </a:defRPr>
-            </a:lvl4pPr>
-            <a:lvl5pPr marL="2057400" indent="-228600" algn="l" defTabSz="914400" rtl="0" eaLnBrk="1" latinLnBrk="0" hangingPunct="1">
-              <a:lnSpc>
-                <a:spcPct val="90000"/>
-              </a:lnSpc>
-              <a:spcBef>
-                <a:spcPts val="500"/>
-              </a:spcBef>
-              <a:buFont typeface="Arial" panose="020B0604020202020204" pitchFamily="34" charset="0"/>
-              <a:buChar char="•"/>
-              <a:defRPr sz="1800" b="0" i="0" kern="1200">
-                <a:solidFill>
-                  <a:schemeClr val="tx1"/>
-                </a:solidFill>
-                <a:latin typeface="Times New Roman" panose="02020603050405020304" pitchFamily="18" charset="0"/>
-                <a:ea typeface="+mn-ea"/>
-                <a:cs typeface="+mn-cs"/>
-              </a:defRPr>
-            </a:lvl5pPr>
-            <a:lvl6pPr marL="2514600" indent="-228600" algn="l" defTabSz="914400" rtl="0" eaLnBrk="1" latinLnBrk="0" hangingPunct="1">
-              <a:lnSpc>
-                <a:spcPct val="90000"/>
-              </a:lnSpc>
-              <a:spcBef>
-                <a:spcPts val="500"/>
-              </a:spcBef>
-              <a:buFont typeface="Arial" panose="020B0604020202020204" pitchFamily="34" charset="0"/>
-              <a:buChar char="•"/>
-              <a:defRPr sz="1800" kern="1200">
-                <a:solidFill>
-                  <a:schemeClr val="tx1"/>
-                </a:solidFill>
-                <a:latin typeface="+mn-lt"/>
-                <a:ea typeface="+mn-ea"/>
-                <a:cs typeface="+mn-cs"/>
-              </a:defRPr>
-            </a:lvl6pPr>
-            <a:lvl7pPr marL="2971800" indent="-228600" algn="l" defTabSz="914400" rtl="0" eaLnBrk="1" latinLnBrk="0" hangingPunct="1">
-              <a:lnSpc>
-                <a:spcPct val="90000"/>
-              </a:lnSpc>
-              <a:spcBef>
-                <a:spcPts val="500"/>
-              </a:spcBef>
-              <a:buFont typeface="Arial" panose="020B0604020202020204" pitchFamily="34" charset="0"/>
-              <a:buChar char="•"/>
-              <a:defRPr sz="1800" kern="1200">
-                <a:solidFill>
-                  <a:schemeClr val="tx1"/>
-                </a:solidFill>
-                <a:latin typeface="+mn-lt"/>
-                <a:ea typeface="+mn-ea"/>
-                <a:cs typeface="+mn-cs"/>
-              </a:defRPr>
-            </a:lvl7pPr>
-            <a:lvl8pPr marL="3429000" indent="-228600" algn="l" defTabSz="914400" rtl="0" eaLnBrk="1" latinLnBrk="0" hangingPunct="1">
-              <a:lnSpc>
-                <a:spcPct val="90000"/>
-              </a:lnSpc>
-              <a:spcBef>
-                <a:spcPts val="500"/>
-              </a:spcBef>
-              <a:buFont typeface="Arial" panose="020B0604020202020204" pitchFamily="34" charset="0"/>
-              <a:buChar char="•"/>
-              <a:defRPr sz="1800" kern="1200">
-                <a:solidFill>
-                  <a:schemeClr val="tx1"/>
-                </a:solidFill>
-                <a:latin typeface="+mn-lt"/>
-                <a:ea typeface="+mn-ea"/>
-                <a:cs typeface="+mn-cs"/>
-              </a:defRPr>
-            </a:lvl8pPr>
-            <a:lvl9pPr marL="3886200" indent="-228600" algn="l" defTabSz="914400" rtl="0" eaLnBrk="1" latinLnBrk="0" hangingPunct="1">
-              <a:lnSpc>
-                <a:spcPct val="90000"/>
-              </a:lnSpc>
-              <a:spcBef>
-                <a:spcPts val="500"/>
-              </a:spcBef>
-              <a:buFont typeface="Arial" panose="020B0604020202020204" pitchFamily="34" charset="0"/>
-              <a:buChar char="•"/>
-              <a:defRPr sz="1800" kern="1200">
-                <a:solidFill>
-                  <a:schemeClr val="tx1"/>
-                </a:solidFill>
-                <a:latin typeface="+mn-lt"/>
-                <a:ea typeface="+mn-ea"/>
-                <a:cs typeface="+mn-cs"/>
-              </a:defRPr>
-            </a:lvl9pPr>
-          </a:lstStyle>
-          <a:p>
-            <a:pPr>
-              <a:lnSpc>
-                <a:spcPct val="150000"/>
-              </a:lnSpc>
-            </a:pPr>
-            <a:r>
-              <a:rPr kumimoji="1" lang="en-US" altLang="zh-CN" b="1" u="sng" dirty="0"/>
-              <a:t>Weaknesses:</a:t>
-            </a:r>
-            <a:r>
-              <a:rPr kumimoji="1" lang="en-US" altLang="zh-CN" b="1" dirty="0"/>
-              <a:t> </a:t>
-            </a:r>
-          </a:p>
-          <a:p>
-            <a:pPr lvl="1">
-              <a:lnSpc>
-                <a:spcPct val="150000"/>
-              </a:lnSpc>
-            </a:pPr>
-            <a:r>
-              <a:rPr lang="en-US" altLang="zh-CN" sz="2600" dirty="0"/>
-              <a:t>Due to the size of our data set, the helpful decision can't be useful for all restaurants. For those burger restaurants with 1ess than 20 reviews, the suggestions are usually extracted from less than 5 reviews and suffers from great uncertainty.</a:t>
-            </a:r>
-          </a:p>
-          <a:p>
-            <a:pPr lvl="1">
-              <a:lnSpc>
-                <a:spcPct val="150000"/>
-              </a:lnSpc>
-            </a:pPr>
-            <a:r>
-              <a:rPr lang="en-US" altLang="zh-CN" sz="2600" dirty="0"/>
-              <a:t>Only through separating the sentience, combining some specific words, removing stop words and lemmatizing, some complex hidden information in the sentences is difficult to reveal. To refine the central idea of the review, we might need some deep learning method, however this is another big topic.</a:t>
-            </a:r>
-          </a:p>
-        </p:txBody>
-      </p:sp>
-    </p:spTree>
-    <p:extLst>
-      <p:ext uri="{BB962C8B-B14F-4D97-AF65-F5344CB8AC3E}">
-        <p14:creationId xmlns:p14="http://schemas.microsoft.com/office/powerpoint/2010/main" val="3631996788"/>
       </p:ext>
     </p:extLst>
   </p:cSld>
@@ -6023,6 +6805,964 @@
     <p:extLst>
       <p:ext uri="{BB962C8B-B14F-4D97-AF65-F5344CB8AC3E}">
         <p14:creationId xmlns:p14="http://schemas.microsoft.com/office/powerpoint/2010/main" val="1865507319"/>
+      </p:ext>
+    </p:extLst>
+  </p:cSld>
+  <p:clrMapOvr>
+    <a:masterClrMapping/>
+  </p:clrMapOvr>
+</p:sld>
+</file>
+
+<file path=ppt/slides/slide20.xml><?xml version="1.0" encoding="utf-8"?>
+<p:sld xmlns:a="http://schemas.openxmlformats.org/drawingml/2006/main" xmlns:r="http://schemas.openxmlformats.org/officeDocument/2006/relationships" xmlns:p="http://schemas.openxmlformats.org/presentationml/2006/main">
+  <p:cSld>
+    <p:spTree>
+      <p:nvGrpSpPr>
+        <p:cNvPr id="1" name=""/>
+        <p:cNvGrpSpPr/>
+        <p:nvPr/>
+      </p:nvGrpSpPr>
+      <p:grpSpPr>
+        <a:xfrm>
+          <a:off x="0" y="0"/>
+          <a:ext cx="0" cy="0"/>
+          <a:chOff x="0" y="0"/>
+          <a:chExt cx="0" cy="0"/>
+        </a:xfrm>
+      </p:grpSpPr>
+      <p:sp>
+        <p:nvSpPr>
+          <p:cNvPr id="2" name="标题 1">
+            <a:extLst>
+              <a:ext uri="{FF2B5EF4-FFF2-40B4-BE49-F238E27FC236}">
+                <a16:creationId xmlns:a16="http://schemas.microsoft.com/office/drawing/2014/main" id="{23B55658-A030-A841-9F74-096EB74C127F}"/>
+              </a:ext>
+            </a:extLst>
+          </p:cNvPr>
+          <p:cNvSpPr>
+            <a:spLocks noGrp="1"/>
+          </p:cNvSpPr>
+          <p:nvPr>
+            <p:ph type="title"/>
+          </p:nvPr>
+        </p:nvSpPr>
+        <p:spPr/>
+        <p:txBody>
+          <a:bodyPr/>
+          <a:lstStyle/>
+          <a:p>
+            <a:r>
+              <a:rPr kumimoji="1" lang="en-US" altLang="zh-CN" b="1" dirty="0">
+                <a:latin typeface="Times New Roman" panose="02020603050405020304" pitchFamily="18" charset="0"/>
+                <a:cs typeface="Times New Roman" panose="02020603050405020304" pitchFamily="18" charset="0"/>
+              </a:rPr>
+              <a:t>4. Strengths</a:t>
+            </a:r>
+            <a:r>
+              <a:rPr kumimoji="1" lang="zh-CN" altLang="en-US" b="1" dirty="0">
+                <a:latin typeface="Times New Roman" panose="02020603050405020304" pitchFamily="18" charset="0"/>
+                <a:cs typeface="Times New Roman" panose="02020603050405020304" pitchFamily="18" charset="0"/>
+              </a:rPr>
+              <a:t> </a:t>
+            </a:r>
+            <a:r>
+              <a:rPr kumimoji="1" lang="en-US" altLang="zh-CN" b="1" dirty="0">
+                <a:latin typeface="Times New Roman" panose="02020603050405020304" pitchFamily="18" charset="0"/>
+                <a:cs typeface="Times New Roman" panose="02020603050405020304" pitchFamily="18" charset="0"/>
+              </a:rPr>
+              <a:t>and</a:t>
+            </a:r>
+            <a:r>
+              <a:rPr kumimoji="1" lang="zh-CN" altLang="en-US" b="1" dirty="0">
+                <a:latin typeface="Times New Roman" panose="02020603050405020304" pitchFamily="18" charset="0"/>
+                <a:cs typeface="Times New Roman" panose="02020603050405020304" pitchFamily="18" charset="0"/>
+              </a:rPr>
+              <a:t> </a:t>
+            </a:r>
+            <a:r>
+              <a:rPr kumimoji="1" lang="en-US" altLang="zh-CN" b="1" dirty="0">
+                <a:latin typeface="Times New Roman" panose="02020603050405020304" pitchFamily="18" charset="0"/>
+                <a:cs typeface="Times New Roman" panose="02020603050405020304" pitchFamily="18" charset="0"/>
+              </a:rPr>
+              <a:t>Weaknesses</a:t>
+            </a:r>
+            <a:endParaRPr kumimoji="1" lang="zh-CN" altLang="en-US" b="1" dirty="0">
+              <a:latin typeface="Times New Roman" panose="02020603050405020304" pitchFamily="18" charset="0"/>
+              <a:cs typeface="Times New Roman" panose="02020603050405020304" pitchFamily="18" charset="0"/>
+            </a:endParaRPr>
+          </a:p>
+        </p:txBody>
+      </p:sp>
+      <p:sp>
+        <p:nvSpPr>
+          <p:cNvPr id="4" name="内容占位符 2">
+            <a:extLst>
+              <a:ext uri="{FF2B5EF4-FFF2-40B4-BE49-F238E27FC236}">
+                <a16:creationId xmlns:a16="http://schemas.microsoft.com/office/drawing/2014/main" id="{63DD7DBE-2B24-9840-9D87-B95831EBBDEE}"/>
+              </a:ext>
+            </a:extLst>
+          </p:cNvPr>
+          <p:cNvSpPr txBox="1">
+            <a:spLocks/>
+          </p:cNvSpPr>
+          <p:nvPr/>
+        </p:nvSpPr>
+        <p:spPr>
+          <a:xfrm>
+            <a:off x="722791" y="1712374"/>
+            <a:ext cx="10515600" cy="4351338"/>
+          </a:xfrm>
+          <a:prstGeom prst="rect">
+            <a:avLst/>
+          </a:prstGeom>
+        </p:spPr>
+        <p:txBody>
+          <a:bodyPr vert="horz" lIns="91440" tIns="45720" rIns="91440" bIns="45720" rtlCol="0">
+            <a:normAutofit fontScale="92500" lnSpcReduction="10000"/>
+          </a:bodyPr>
+          <a:lstStyle>
+            <a:lvl1pPr marL="228600" indent="-228600" algn="l" defTabSz="914400" rtl="0" eaLnBrk="1" latinLnBrk="0" hangingPunct="1">
+              <a:lnSpc>
+                <a:spcPct val="90000"/>
+              </a:lnSpc>
+              <a:spcBef>
+                <a:spcPts val="1000"/>
+              </a:spcBef>
+              <a:buFont typeface="Arial" panose="020B0604020202020204" pitchFamily="34" charset="0"/>
+              <a:buChar char="•"/>
+              <a:defRPr sz="2800" b="0" i="0" kern="1200">
+                <a:solidFill>
+                  <a:schemeClr val="tx1"/>
+                </a:solidFill>
+                <a:latin typeface="Times New Roman" panose="02020603050405020304" pitchFamily="18" charset="0"/>
+                <a:ea typeface="+mn-ea"/>
+                <a:cs typeface="+mn-cs"/>
+              </a:defRPr>
+            </a:lvl1pPr>
+            <a:lvl2pPr marL="685800" indent="-228600" algn="l" defTabSz="914400" rtl="0" eaLnBrk="1" latinLnBrk="0" hangingPunct="1">
+              <a:lnSpc>
+                <a:spcPct val="90000"/>
+              </a:lnSpc>
+              <a:spcBef>
+                <a:spcPts val="500"/>
+              </a:spcBef>
+              <a:buFont typeface="Arial" panose="020B0604020202020204" pitchFamily="34" charset="0"/>
+              <a:buChar char="•"/>
+              <a:defRPr sz="2400" b="0" i="0" kern="1200">
+                <a:solidFill>
+                  <a:schemeClr val="tx1"/>
+                </a:solidFill>
+                <a:latin typeface="Times New Roman" panose="02020603050405020304" pitchFamily="18" charset="0"/>
+                <a:ea typeface="+mn-ea"/>
+                <a:cs typeface="+mn-cs"/>
+              </a:defRPr>
+            </a:lvl2pPr>
+            <a:lvl3pPr marL="1143000" indent="-228600" algn="l" defTabSz="914400" rtl="0" eaLnBrk="1" latinLnBrk="0" hangingPunct="1">
+              <a:lnSpc>
+                <a:spcPct val="90000"/>
+              </a:lnSpc>
+              <a:spcBef>
+                <a:spcPts val="500"/>
+              </a:spcBef>
+              <a:buFont typeface="Arial" panose="020B0604020202020204" pitchFamily="34" charset="0"/>
+              <a:buChar char="•"/>
+              <a:defRPr sz="2000" b="0" i="0" kern="1200">
+                <a:solidFill>
+                  <a:schemeClr val="tx1"/>
+                </a:solidFill>
+                <a:latin typeface="Times New Roman" panose="02020603050405020304" pitchFamily="18" charset="0"/>
+                <a:ea typeface="+mn-ea"/>
+                <a:cs typeface="+mn-cs"/>
+              </a:defRPr>
+            </a:lvl3pPr>
+            <a:lvl4pPr marL="1600200" indent="-228600" algn="l" defTabSz="914400" rtl="0" eaLnBrk="1" latinLnBrk="0" hangingPunct="1">
+              <a:lnSpc>
+                <a:spcPct val="90000"/>
+              </a:lnSpc>
+              <a:spcBef>
+                <a:spcPts val="500"/>
+              </a:spcBef>
+              <a:buFont typeface="Arial" panose="020B0604020202020204" pitchFamily="34" charset="0"/>
+              <a:buChar char="•"/>
+              <a:defRPr sz="1800" b="0" i="0" kern="1200">
+                <a:solidFill>
+                  <a:schemeClr val="tx1"/>
+                </a:solidFill>
+                <a:latin typeface="Times New Roman" panose="02020603050405020304" pitchFamily="18" charset="0"/>
+                <a:ea typeface="+mn-ea"/>
+                <a:cs typeface="+mn-cs"/>
+              </a:defRPr>
+            </a:lvl4pPr>
+            <a:lvl5pPr marL="2057400" indent="-228600" algn="l" defTabSz="914400" rtl="0" eaLnBrk="1" latinLnBrk="0" hangingPunct="1">
+              <a:lnSpc>
+                <a:spcPct val="90000"/>
+              </a:lnSpc>
+              <a:spcBef>
+                <a:spcPts val="500"/>
+              </a:spcBef>
+              <a:buFont typeface="Arial" panose="020B0604020202020204" pitchFamily="34" charset="0"/>
+              <a:buChar char="•"/>
+              <a:defRPr sz="1800" b="0" i="0" kern="1200">
+                <a:solidFill>
+                  <a:schemeClr val="tx1"/>
+                </a:solidFill>
+                <a:latin typeface="Times New Roman" panose="02020603050405020304" pitchFamily="18" charset="0"/>
+                <a:ea typeface="+mn-ea"/>
+                <a:cs typeface="+mn-cs"/>
+              </a:defRPr>
+            </a:lvl5pPr>
+            <a:lvl6pPr marL="2514600" indent="-228600" algn="l" defTabSz="914400" rtl="0" eaLnBrk="1" latinLnBrk="0" hangingPunct="1">
+              <a:lnSpc>
+                <a:spcPct val="90000"/>
+              </a:lnSpc>
+              <a:spcBef>
+                <a:spcPts val="500"/>
+              </a:spcBef>
+              <a:buFont typeface="Arial" panose="020B0604020202020204" pitchFamily="34" charset="0"/>
+              <a:buChar char="•"/>
+              <a:defRPr sz="1800" kern="1200">
+                <a:solidFill>
+                  <a:schemeClr val="tx1"/>
+                </a:solidFill>
+                <a:latin typeface="+mn-lt"/>
+                <a:ea typeface="+mn-ea"/>
+                <a:cs typeface="+mn-cs"/>
+              </a:defRPr>
+            </a:lvl6pPr>
+            <a:lvl7pPr marL="2971800" indent="-228600" algn="l" defTabSz="914400" rtl="0" eaLnBrk="1" latinLnBrk="0" hangingPunct="1">
+              <a:lnSpc>
+                <a:spcPct val="90000"/>
+              </a:lnSpc>
+              <a:spcBef>
+                <a:spcPts val="500"/>
+              </a:spcBef>
+              <a:buFont typeface="Arial" panose="020B0604020202020204" pitchFamily="34" charset="0"/>
+              <a:buChar char="•"/>
+              <a:defRPr sz="1800" kern="1200">
+                <a:solidFill>
+                  <a:schemeClr val="tx1"/>
+                </a:solidFill>
+                <a:latin typeface="+mn-lt"/>
+                <a:ea typeface="+mn-ea"/>
+                <a:cs typeface="+mn-cs"/>
+              </a:defRPr>
+            </a:lvl7pPr>
+            <a:lvl8pPr marL="3429000" indent="-228600" algn="l" defTabSz="914400" rtl="0" eaLnBrk="1" latinLnBrk="0" hangingPunct="1">
+              <a:lnSpc>
+                <a:spcPct val="90000"/>
+              </a:lnSpc>
+              <a:spcBef>
+                <a:spcPts val="500"/>
+              </a:spcBef>
+              <a:buFont typeface="Arial" panose="020B0604020202020204" pitchFamily="34" charset="0"/>
+              <a:buChar char="•"/>
+              <a:defRPr sz="1800" kern="1200">
+                <a:solidFill>
+                  <a:schemeClr val="tx1"/>
+                </a:solidFill>
+                <a:latin typeface="+mn-lt"/>
+                <a:ea typeface="+mn-ea"/>
+                <a:cs typeface="+mn-cs"/>
+              </a:defRPr>
+            </a:lvl8pPr>
+            <a:lvl9pPr marL="3886200" indent="-228600" algn="l" defTabSz="914400" rtl="0" eaLnBrk="1" latinLnBrk="0" hangingPunct="1">
+              <a:lnSpc>
+                <a:spcPct val="90000"/>
+              </a:lnSpc>
+              <a:spcBef>
+                <a:spcPts val="500"/>
+              </a:spcBef>
+              <a:buFont typeface="Arial" panose="020B0604020202020204" pitchFamily="34" charset="0"/>
+              <a:buChar char="•"/>
+              <a:defRPr sz="1800" kern="1200">
+                <a:solidFill>
+                  <a:schemeClr val="tx1"/>
+                </a:solidFill>
+                <a:latin typeface="+mn-lt"/>
+                <a:ea typeface="+mn-ea"/>
+                <a:cs typeface="+mn-cs"/>
+              </a:defRPr>
+            </a:lvl9pPr>
+          </a:lstStyle>
+          <a:p>
+            <a:pPr>
+              <a:lnSpc>
+                <a:spcPct val="150000"/>
+              </a:lnSpc>
+            </a:pPr>
+            <a:r>
+              <a:rPr kumimoji="1" lang="en-US" altLang="zh-CN" b="1" u="sng" dirty="0"/>
+              <a:t>Strengths (cont.):</a:t>
+            </a:r>
+            <a:r>
+              <a:rPr kumimoji="1" lang="en-US" altLang="zh-CN" b="1" dirty="0"/>
+              <a:t> </a:t>
+            </a:r>
+          </a:p>
+          <a:p>
+            <a:pPr lvl="1">
+              <a:lnSpc>
+                <a:spcPct val="150000"/>
+              </a:lnSpc>
+            </a:pPr>
+            <a:r>
+              <a:rPr lang="en-US" altLang="zh-CN" sz="2600" dirty="0"/>
+              <a:t>We selected our indicators from various sources (review, attributes) and using various methods (lasso, t-test and regression tree), which guarantees the significance and accuracy of our model.</a:t>
+            </a:r>
+          </a:p>
+          <a:p>
+            <a:pPr lvl="1">
+              <a:lnSpc>
+                <a:spcPct val="150000"/>
+              </a:lnSpc>
+            </a:pPr>
+            <a:r>
+              <a:rPr lang="en-US" altLang="zh-CN" sz="2600" dirty="0"/>
+              <a:t>Stability selection (based on lasso) improve the performance of penalized regression. By subsampling, it could control the number of falsely discovered variables lower than a pre-defined threshold. Also, it avoid the sensitivity to regularization parameter, </a:t>
+            </a:r>
+          </a:p>
+        </p:txBody>
+      </p:sp>
+    </p:spTree>
+    <p:extLst>
+      <p:ext uri="{BB962C8B-B14F-4D97-AF65-F5344CB8AC3E}">
+        <p14:creationId xmlns:p14="http://schemas.microsoft.com/office/powerpoint/2010/main" val="1218556727"/>
+      </p:ext>
+    </p:extLst>
+  </p:cSld>
+  <p:clrMapOvr>
+    <a:masterClrMapping/>
+  </p:clrMapOvr>
+</p:sld>
+</file>
+
+<file path=ppt/slides/slide21.xml><?xml version="1.0" encoding="utf-8"?>
+<p:sld xmlns:a="http://schemas.openxmlformats.org/drawingml/2006/main" xmlns:r="http://schemas.openxmlformats.org/officeDocument/2006/relationships" xmlns:p="http://schemas.openxmlformats.org/presentationml/2006/main">
+  <p:cSld>
+    <p:spTree>
+      <p:nvGrpSpPr>
+        <p:cNvPr id="1" name=""/>
+        <p:cNvGrpSpPr/>
+        <p:nvPr/>
+      </p:nvGrpSpPr>
+      <p:grpSpPr>
+        <a:xfrm>
+          <a:off x="0" y="0"/>
+          <a:ext cx="0" cy="0"/>
+          <a:chOff x="0" y="0"/>
+          <a:chExt cx="0" cy="0"/>
+        </a:xfrm>
+      </p:grpSpPr>
+      <p:sp>
+        <p:nvSpPr>
+          <p:cNvPr id="2" name="标题 1">
+            <a:extLst>
+              <a:ext uri="{FF2B5EF4-FFF2-40B4-BE49-F238E27FC236}">
+                <a16:creationId xmlns:a16="http://schemas.microsoft.com/office/drawing/2014/main" id="{23B55658-A030-A841-9F74-096EB74C127F}"/>
+              </a:ext>
+            </a:extLst>
+          </p:cNvPr>
+          <p:cNvSpPr>
+            <a:spLocks noGrp="1"/>
+          </p:cNvSpPr>
+          <p:nvPr>
+            <p:ph type="title"/>
+          </p:nvPr>
+        </p:nvSpPr>
+        <p:spPr/>
+        <p:txBody>
+          <a:bodyPr/>
+          <a:lstStyle/>
+          <a:p>
+            <a:r>
+              <a:rPr kumimoji="1" lang="en-US" altLang="zh-CN" b="1" dirty="0">
+                <a:latin typeface="Times New Roman" panose="02020603050405020304" pitchFamily="18" charset="0"/>
+                <a:cs typeface="Times New Roman" panose="02020603050405020304" pitchFamily="18" charset="0"/>
+              </a:rPr>
+              <a:t>4. Strengths</a:t>
+            </a:r>
+            <a:r>
+              <a:rPr kumimoji="1" lang="zh-CN" altLang="en-US" b="1" dirty="0">
+                <a:latin typeface="Times New Roman" panose="02020603050405020304" pitchFamily="18" charset="0"/>
+                <a:cs typeface="Times New Roman" panose="02020603050405020304" pitchFamily="18" charset="0"/>
+              </a:rPr>
+              <a:t> </a:t>
+            </a:r>
+            <a:r>
+              <a:rPr kumimoji="1" lang="en-US" altLang="zh-CN" b="1" dirty="0">
+                <a:latin typeface="Times New Roman" panose="02020603050405020304" pitchFamily="18" charset="0"/>
+                <a:cs typeface="Times New Roman" panose="02020603050405020304" pitchFamily="18" charset="0"/>
+              </a:rPr>
+              <a:t>and</a:t>
+            </a:r>
+            <a:r>
+              <a:rPr kumimoji="1" lang="zh-CN" altLang="en-US" b="1" dirty="0">
+                <a:latin typeface="Times New Roman" panose="02020603050405020304" pitchFamily="18" charset="0"/>
+                <a:cs typeface="Times New Roman" panose="02020603050405020304" pitchFamily="18" charset="0"/>
+              </a:rPr>
+              <a:t> </a:t>
+            </a:r>
+            <a:r>
+              <a:rPr kumimoji="1" lang="en-US" altLang="zh-CN" b="1" dirty="0">
+                <a:latin typeface="Times New Roman" panose="02020603050405020304" pitchFamily="18" charset="0"/>
+                <a:cs typeface="Times New Roman" panose="02020603050405020304" pitchFamily="18" charset="0"/>
+              </a:rPr>
+              <a:t>Weaknesses</a:t>
+            </a:r>
+            <a:endParaRPr kumimoji="1" lang="zh-CN" altLang="en-US" b="1" dirty="0">
+              <a:latin typeface="Times New Roman" panose="02020603050405020304" pitchFamily="18" charset="0"/>
+              <a:cs typeface="Times New Roman" panose="02020603050405020304" pitchFamily="18" charset="0"/>
+            </a:endParaRPr>
+          </a:p>
+        </p:txBody>
+      </p:sp>
+      <p:sp>
+        <p:nvSpPr>
+          <p:cNvPr id="4" name="内容占位符 2">
+            <a:extLst>
+              <a:ext uri="{FF2B5EF4-FFF2-40B4-BE49-F238E27FC236}">
+                <a16:creationId xmlns:a16="http://schemas.microsoft.com/office/drawing/2014/main" id="{63DD7DBE-2B24-9840-9D87-B95831EBBDEE}"/>
+              </a:ext>
+            </a:extLst>
+          </p:cNvPr>
+          <p:cNvSpPr txBox="1">
+            <a:spLocks/>
+          </p:cNvSpPr>
+          <p:nvPr/>
+        </p:nvSpPr>
+        <p:spPr>
+          <a:xfrm>
+            <a:off x="722791" y="1712373"/>
+            <a:ext cx="10977978" cy="4670671"/>
+          </a:xfrm>
+          <a:prstGeom prst="rect">
+            <a:avLst/>
+          </a:prstGeom>
+        </p:spPr>
+        <p:txBody>
+          <a:bodyPr vert="horz" lIns="91440" tIns="45720" rIns="91440" bIns="45720" rtlCol="0">
+            <a:normAutofit fontScale="92500" lnSpcReduction="20000"/>
+          </a:bodyPr>
+          <a:lstStyle>
+            <a:lvl1pPr marL="228600" indent="-228600" algn="l" defTabSz="914400" rtl="0" eaLnBrk="1" latinLnBrk="0" hangingPunct="1">
+              <a:lnSpc>
+                <a:spcPct val="90000"/>
+              </a:lnSpc>
+              <a:spcBef>
+                <a:spcPts val="1000"/>
+              </a:spcBef>
+              <a:buFont typeface="Arial" panose="020B0604020202020204" pitchFamily="34" charset="0"/>
+              <a:buChar char="•"/>
+              <a:defRPr sz="2800" b="0" i="0" kern="1200">
+                <a:solidFill>
+                  <a:schemeClr val="tx1"/>
+                </a:solidFill>
+                <a:latin typeface="Times New Roman" panose="02020603050405020304" pitchFamily="18" charset="0"/>
+                <a:ea typeface="+mn-ea"/>
+                <a:cs typeface="+mn-cs"/>
+              </a:defRPr>
+            </a:lvl1pPr>
+            <a:lvl2pPr marL="685800" indent="-228600" algn="l" defTabSz="914400" rtl="0" eaLnBrk="1" latinLnBrk="0" hangingPunct="1">
+              <a:lnSpc>
+                <a:spcPct val="90000"/>
+              </a:lnSpc>
+              <a:spcBef>
+                <a:spcPts val="500"/>
+              </a:spcBef>
+              <a:buFont typeface="Arial" panose="020B0604020202020204" pitchFamily="34" charset="0"/>
+              <a:buChar char="•"/>
+              <a:defRPr sz="2400" b="0" i="0" kern="1200">
+                <a:solidFill>
+                  <a:schemeClr val="tx1"/>
+                </a:solidFill>
+                <a:latin typeface="Times New Roman" panose="02020603050405020304" pitchFamily="18" charset="0"/>
+                <a:ea typeface="+mn-ea"/>
+                <a:cs typeface="+mn-cs"/>
+              </a:defRPr>
+            </a:lvl2pPr>
+            <a:lvl3pPr marL="1143000" indent="-228600" algn="l" defTabSz="914400" rtl="0" eaLnBrk="1" latinLnBrk="0" hangingPunct="1">
+              <a:lnSpc>
+                <a:spcPct val="90000"/>
+              </a:lnSpc>
+              <a:spcBef>
+                <a:spcPts val="500"/>
+              </a:spcBef>
+              <a:buFont typeface="Arial" panose="020B0604020202020204" pitchFamily="34" charset="0"/>
+              <a:buChar char="•"/>
+              <a:defRPr sz="2000" b="0" i="0" kern="1200">
+                <a:solidFill>
+                  <a:schemeClr val="tx1"/>
+                </a:solidFill>
+                <a:latin typeface="Times New Roman" panose="02020603050405020304" pitchFamily="18" charset="0"/>
+                <a:ea typeface="+mn-ea"/>
+                <a:cs typeface="+mn-cs"/>
+              </a:defRPr>
+            </a:lvl3pPr>
+            <a:lvl4pPr marL="1600200" indent="-228600" algn="l" defTabSz="914400" rtl="0" eaLnBrk="1" latinLnBrk="0" hangingPunct="1">
+              <a:lnSpc>
+                <a:spcPct val="90000"/>
+              </a:lnSpc>
+              <a:spcBef>
+                <a:spcPts val="500"/>
+              </a:spcBef>
+              <a:buFont typeface="Arial" panose="020B0604020202020204" pitchFamily="34" charset="0"/>
+              <a:buChar char="•"/>
+              <a:defRPr sz="1800" b="0" i="0" kern="1200">
+                <a:solidFill>
+                  <a:schemeClr val="tx1"/>
+                </a:solidFill>
+                <a:latin typeface="Times New Roman" panose="02020603050405020304" pitchFamily="18" charset="0"/>
+                <a:ea typeface="+mn-ea"/>
+                <a:cs typeface="+mn-cs"/>
+              </a:defRPr>
+            </a:lvl4pPr>
+            <a:lvl5pPr marL="2057400" indent="-228600" algn="l" defTabSz="914400" rtl="0" eaLnBrk="1" latinLnBrk="0" hangingPunct="1">
+              <a:lnSpc>
+                <a:spcPct val="90000"/>
+              </a:lnSpc>
+              <a:spcBef>
+                <a:spcPts val="500"/>
+              </a:spcBef>
+              <a:buFont typeface="Arial" panose="020B0604020202020204" pitchFamily="34" charset="0"/>
+              <a:buChar char="•"/>
+              <a:defRPr sz="1800" b="0" i="0" kern="1200">
+                <a:solidFill>
+                  <a:schemeClr val="tx1"/>
+                </a:solidFill>
+                <a:latin typeface="Times New Roman" panose="02020603050405020304" pitchFamily="18" charset="0"/>
+                <a:ea typeface="+mn-ea"/>
+                <a:cs typeface="+mn-cs"/>
+              </a:defRPr>
+            </a:lvl5pPr>
+            <a:lvl6pPr marL="2514600" indent="-228600" algn="l" defTabSz="914400" rtl="0" eaLnBrk="1" latinLnBrk="0" hangingPunct="1">
+              <a:lnSpc>
+                <a:spcPct val="90000"/>
+              </a:lnSpc>
+              <a:spcBef>
+                <a:spcPts val="500"/>
+              </a:spcBef>
+              <a:buFont typeface="Arial" panose="020B0604020202020204" pitchFamily="34" charset="0"/>
+              <a:buChar char="•"/>
+              <a:defRPr sz="1800" kern="1200">
+                <a:solidFill>
+                  <a:schemeClr val="tx1"/>
+                </a:solidFill>
+                <a:latin typeface="+mn-lt"/>
+                <a:ea typeface="+mn-ea"/>
+                <a:cs typeface="+mn-cs"/>
+              </a:defRPr>
+            </a:lvl6pPr>
+            <a:lvl7pPr marL="2971800" indent="-228600" algn="l" defTabSz="914400" rtl="0" eaLnBrk="1" latinLnBrk="0" hangingPunct="1">
+              <a:lnSpc>
+                <a:spcPct val="90000"/>
+              </a:lnSpc>
+              <a:spcBef>
+                <a:spcPts val="500"/>
+              </a:spcBef>
+              <a:buFont typeface="Arial" panose="020B0604020202020204" pitchFamily="34" charset="0"/>
+              <a:buChar char="•"/>
+              <a:defRPr sz="1800" kern="1200">
+                <a:solidFill>
+                  <a:schemeClr val="tx1"/>
+                </a:solidFill>
+                <a:latin typeface="+mn-lt"/>
+                <a:ea typeface="+mn-ea"/>
+                <a:cs typeface="+mn-cs"/>
+              </a:defRPr>
+            </a:lvl7pPr>
+            <a:lvl8pPr marL="3429000" indent="-228600" algn="l" defTabSz="914400" rtl="0" eaLnBrk="1" latinLnBrk="0" hangingPunct="1">
+              <a:lnSpc>
+                <a:spcPct val="90000"/>
+              </a:lnSpc>
+              <a:spcBef>
+                <a:spcPts val="500"/>
+              </a:spcBef>
+              <a:buFont typeface="Arial" panose="020B0604020202020204" pitchFamily="34" charset="0"/>
+              <a:buChar char="•"/>
+              <a:defRPr sz="1800" kern="1200">
+                <a:solidFill>
+                  <a:schemeClr val="tx1"/>
+                </a:solidFill>
+                <a:latin typeface="+mn-lt"/>
+                <a:ea typeface="+mn-ea"/>
+                <a:cs typeface="+mn-cs"/>
+              </a:defRPr>
+            </a:lvl8pPr>
+            <a:lvl9pPr marL="3886200" indent="-228600" algn="l" defTabSz="914400" rtl="0" eaLnBrk="1" latinLnBrk="0" hangingPunct="1">
+              <a:lnSpc>
+                <a:spcPct val="90000"/>
+              </a:lnSpc>
+              <a:spcBef>
+                <a:spcPts val="500"/>
+              </a:spcBef>
+              <a:buFont typeface="Arial" panose="020B0604020202020204" pitchFamily="34" charset="0"/>
+              <a:buChar char="•"/>
+              <a:defRPr sz="1800" kern="1200">
+                <a:solidFill>
+                  <a:schemeClr val="tx1"/>
+                </a:solidFill>
+                <a:latin typeface="+mn-lt"/>
+                <a:ea typeface="+mn-ea"/>
+                <a:cs typeface="+mn-cs"/>
+              </a:defRPr>
+            </a:lvl9pPr>
+          </a:lstStyle>
+          <a:p>
+            <a:pPr>
+              <a:lnSpc>
+                <a:spcPct val="150000"/>
+              </a:lnSpc>
+            </a:pPr>
+            <a:r>
+              <a:rPr kumimoji="1" lang="en-US" altLang="zh-CN" b="1" u="sng" dirty="0"/>
+              <a:t>Weaknesses:</a:t>
+            </a:r>
+            <a:r>
+              <a:rPr kumimoji="1" lang="en-US" altLang="zh-CN" b="1" dirty="0"/>
+              <a:t> </a:t>
+            </a:r>
+          </a:p>
+          <a:p>
+            <a:pPr lvl="1">
+              <a:lnSpc>
+                <a:spcPct val="150000"/>
+              </a:lnSpc>
+            </a:pPr>
+            <a:r>
+              <a:rPr lang="en-US" altLang="zh-CN" sz="2600" dirty="0"/>
+              <a:t>Due to the size of our data set, the helpful decision can't be useful for all restaurants. For those burger restaurants with 1ess than 20 reviews, the suggestions are usually extracted from less than 5 reviews and suffers from great uncertainty.</a:t>
+            </a:r>
+          </a:p>
+          <a:p>
+            <a:pPr lvl="1">
+              <a:lnSpc>
+                <a:spcPct val="150000"/>
+              </a:lnSpc>
+            </a:pPr>
+            <a:r>
+              <a:rPr lang="en-US" altLang="zh-CN" sz="2600" dirty="0"/>
+              <a:t>Only through separating the sentience, combining some specific words, removing stop words and lemmatizing, some complex hidden information in the sentences is difficult to reveal. To refine the central idea of the review, we might need some deep learning method, however this is another big topic.</a:t>
+            </a:r>
+          </a:p>
+        </p:txBody>
+      </p:sp>
+    </p:spTree>
+    <p:extLst>
+      <p:ext uri="{BB962C8B-B14F-4D97-AF65-F5344CB8AC3E}">
+        <p14:creationId xmlns:p14="http://schemas.microsoft.com/office/powerpoint/2010/main" val="3631996788"/>
+      </p:ext>
+    </p:extLst>
+  </p:cSld>
+  <p:clrMapOvr>
+    <a:masterClrMapping/>
+  </p:clrMapOvr>
+</p:sld>
+</file>
+
+<file path=ppt/slides/slide22.xml><?xml version="1.0" encoding="utf-8"?>
+<p:sld xmlns:a="http://schemas.openxmlformats.org/drawingml/2006/main" xmlns:r="http://schemas.openxmlformats.org/officeDocument/2006/relationships" xmlns:p="http://schemas.openxmlformats.org/presentationml/2006/main">
+  <p:cSld>
+    <p:spTree>
+      <p:nvGrpSpPr>
+        <p:cNvPr id="1" name=""/>
+        <p:cNvGrpSpPr/>
+        <p:nvPr/>
+      </p:nvGrpSpPr>
+      <p:grpSpPr>
+        <a:xfrm>
+          <a:off x="0" y="0"/>
+          <a:ext cx="0" cy="0"/>
+          <a:chOff x="0" y="0"/>
+          <a:chExt cx="0" cy="0"/>
+        </a:xfrm>
+      </p:grpSpPr>
+      <p:sp>
+        <p:nvSpPr>
+          <p:cNvPr id="2" name="标题 1">
+            <a:extLst>
+              <a:ext uri="{FF2B5EF4-FFF2-40B4-BE49-F238E27FC236}">
+                <a16:creationId xmlns:a16="http://schemas.microsoft.com/office/drawing/2014/main" id="{23B55658-A030-A841-9F74-096EB74C127F}"/>
+              </a:ext>
+            </a:extLst>
+          </p:cNvPr>
+          <p:cNvSpPr>
+            <a:spLocks noGrp="1"/>
+          </p:cNvSpPr>
+          <p:nvPr>
+            <p:ph type="title"/>
+          </p:nvPr>
+        </p:nvSpPr>
+        <p:spPr/>
+        <p:txBody>
+          <a:bodyPr/>
+          <a:lstStyle/>
+          <a:p>
+            <a:r>
+              <a:rPr kumimoji="1" lang="en-US" altLang="zh-CN" b="1" dirty="0">
+                <a:latin typeface="Times New Roman" panose="02020603050405020304" pitchFamily="18" charset="0"/>
+                <a:cs typeface="Times New Roman" panose="02020603050405020304" pitchFamily="18" charset="0"/>
+              </a:rPr>
+              <a:t>4. Strengths</a:t>
+            </a:r>
+            <a:r>
+              <a:rPr kumimoji="1" lang="zh-CN" altLang="en-US" b="1" dirty="0">
+                <a:latin typeface="Times New Roman" panose="02020603050405020304" pitchFamily="18" charset="0"/>
+                <a:cs typeface="Times New Roman" panose="02020603050405020304" pitchFamily="18" charset="0"/>
+              </a:rPr>
+              <a:t> </a:t>
+            </a:r>
+            <a:r>
+              <a:rPr kumimoji="1" lang="en-US" altLang="zh-CN" b="1" dirty="0">
+                <a:latin typeface="Times New Roman" panose="02020603050405020304" pitchFamily="18" charset="0"/>
+                <a:cs typeface="Times New Roman" panose="02020603050405020304" pitchFamily="18" charset="0"/>
+              </a:rPr>
+              <a:t>and</a:t>
+            </a:r>
+            <a:r>
+              <a:rPr kumimoji="1" lang="zh-CN" altLang="en-US" b="1" dirty="0">
+                <a:latin typeface="Times New Roman" panose="02020603050405020304" pitchFamily="18" charset="0"/>
+                <a:cs typeface="Times New Roman" panose="02020603050405020304" pitchFamily="18" charset="0"/>
+              </a:rPr>
+              <a:t> </a:t>
+            </a:r>
+            <a:r>
+              <a:rPr kumimoji="1" lang="en-US" altLang="zh-CN" b="1" dirty="0">
+                <a:latin typeface="Times New Roman" panose="02020603050405020304" pitchFamily="18" charset="0"/>
+                <a:cs typeface="Times New Roman" panose="02020603050405020304" pitchFamily="18" charset="0"/>
+              </a:rPr>
+              <a:t>Weaknesses</a:t>
+            </a:r>
+            <a:endParaRPr kumimoji="1" lang="zh-CN" altLang="en-US" b="1" dirty="0">
+              <a:latin typeface="Times New Roman" panose="02020603050405020304" pitchFamily="18" charset="0"/>
+              <a:cs typeface="Times New Roman" panose="02020603050405020304" pitchFamily="18" charset="0"/>
+            </a:endParaRPr>
+          </a:p>
+        </p:txBody>
+      </p:sp>
+      <p:sp>
+        <p:nvSpPr>
+          <p:cNvPr id="4" name="内容占位符 2">
+            <a:extLst>
+              <a:ext uri="{FF2B5EF4-FFF2-40B4-BE49-F238E27FC236}">
+                <a16:creationId xmlns:a16="http://schemas.microsoft.com/office/drawing/2014/main" id="{63DD7DBE-2B24-9840-9D87-B95831EBBDEE}"/>
+              </a:ext>
+            </a:extLst>
+          </p:cNvPr>
+          <p:cNvSpPr txBox="1">
+            <a:spLocks/>
+          </p:cNvSpPr>
+          <p:nvPr/>
+        </p:nvSpPr>
+        <p:spPr>
+          <a:xfrm>
+            <a:off x="722791" y="1712373"/>
+            <a:ext cx="10977978" cy="4670671"/>
+          </a:xfrm>
+          <a:prstGeom prst="rect">
+            <a:avLst/>
+          </a:prstGeom>
+        </p:spPr>
+        <p:txBody>
+          <a:bodyPr vert="horz" lIns="91440" tIns="45720" rIns="91440" bIns="45720" rtlCol="0">
+            <a:normAutofit/>
+          </a:bodyPr>
+          <a:lstStyle>
+            <a:lvl1pPr marL="228600" indent="-228600" algn="l" defTabSz="914400" rtl="0" eaLnBrk="1" latinLnBrk="0" hangingPunct="1">
+              <a:lnSpc>
+                <a:spcPct val="90000"/>
+              </a:lnSpc>
+              <a:spcBef>
+                <a:spcPts val="1000"/>
+              </a:spcBef>
+              <a:buFont typeface="Arial" panose="020B0604020202020204" pitchFamily="34" charset="0"/>
+              <a:buChar char="•"/>
+              <a:defRPr sz="2800" b="0" i="0" kern="1200">
+                <a:solidFill>
+                  <a:schemeClr val="tx1"/>
+                </a:solidFill>
+                <a:latin typeface="Times New Roman" panose="02020603050405020304" pitchFamily="18" charset="0"/>
+                <a:ea typeface="+mn-ea"/>
+                <a:cs typeface="+mn-cs"/>
+              </a:defRPr>
+            </a:lvl1pPr>
+            <a:lvl2pPr marL="685800" indent="-228600" algn="l" defTabSz="914400" rtl="0" eaLnBrk="1" latinLnBrk="0" hangingPunct="1">
+              <a:lnSpc>
+                <a:spcPct val="90000"/>
+              </a:lnSpc>
+              <a:spcBef>
+                <a:spcPts val="500"/>
+              </a:spcBef>
+              <a:buFont typeface="Arial" panose="020B0604020202020204" pitchFamily="34" charset="0"/>
+              <a:buChar char="•"/>
+              <a:defRPr sz="2400" b="0" i="0" kern="1200">
+                <a:solidFill>
+                  <a:schemeClr val="tx1"/>
+                </a:solidFill>
+                <a:latin typeface="Times New Roman" panose="02020603050405020304" pitchFamily="18" charset="0"/>
+                <a:ea typeface="+mn-ea"/>
+                <a:cs typeface="+mn-cs"/>
+              </a:defRPr>
+            </a:lvl2pPr>
+            <a:lvl3pPr marL="1143000" indent="-228600" algn="l" defTabSz="914400" rtl="0" eaLnBrk="1" latinLnBrk="0" hangingPunct="1">
+              <a:lnSpc>
+                <a:spcPct val="90000"/>
+              </a:lnSpc>
+              <a:spcBef>
+                <a:spcPts val="500"/>
+              </a:spcBef>
+              <a:buFont typeface="Arial" panose="020B0604020202020204" pitchFamily="34" charset="0"/>
+              <a:buChar char="•"/>
+              <a:defRPr sz="2000" b="0" i="0" kern="1200">
+                <a:solidFill>
+                  <a:schemeClr val="tx1"/>
+                </a:solidFill>
+                <a:latin typeface="Times New Roman" panose="02020603050405020304" pitchFamily="18" charset="0"/>
+                <a:ea typeface="+mn-ea"/>
+                <a:cs typeface="+mn-cs"/>
+              </a:defRPr>
+            </a:lvl3pPr>
+            <a:lvl4pPr marL="1600200" indent="-228600" algn="l" defTabSz="914400" rtl="0" eaLnBrk="1" latinLnBrk="0" hangingPunct="1">
+              <a:lnSpc>
+                <a:spcPct val="90000"/>
+              </a:lnSpc>
+              <a:spcBef>
+                <a:spcPts val="500"/>
+              </a:spcBef>
+              <a:buFont typeface="Arial" panose="020B0604020202020204" pitchFamily="34" charset="0"/>
+              <a:buChar char="•"/>
+              <a:defRPr sz="1800" b="0" i="0" kern="1200">
+                <a:solidFill>
+                  <a:schemeClr val="tx1"/>
+                </a:solidFill>
+                <a:latin typeface="Times New Roman" panose="02020603050405020304" pitchFamily="18" charset="0"/>
+                <a:ea typeface="+mn-ea"/>
+                <a:cs typeface="+mn-cs"/>
+              </a:defRPr>
+            </a:lvl4pPr>
+            <a:lvl5pPr marL="2057400" indent="-228600" algn="l" defTabSz="914400" rtl="0" eaLnBrk="1" latinLnBrk="0" hangingPunct="1">
+              <a:lnSpc>
+                <a:spcPct val="90000"/>
+              </a:lnSpc>
+              <a:spcBef>
+                <a:spcPts val="500"/>
+              </a:spcBef>
+              <a:buFont typeface="Arial" panose="020B0604020202020204" pitchFamily="34" charset="0"/>
+              <a:buChar char="•"/>
+              <a:defRPr sz="1800" b="0" i="0" kern="1200">
+                <a:solidFill>
+                  <a:schemeClr val="tx1"/>
+                </a:solidFill>
+                <a:latin typeface="Times New Roman" panose="02020603050405020304" pitchFamily="18" charset="0"/>
+                <a:ea typeface="+mn-ea"/>
+                <a:cs typeface="+mn-cs"/>
+              </a:defRPr>
+            </a:lvl5pPr>
+            <a:lvl6pPr marL="2514600" indent="-228600" algn="l" defTabSz="914400" rtl="0" eaLnBrk="1" latinLnBrk="0" hangingPunct="1">
+              <a:lnSpc>
+                <a:spcPct val="90000"/>
+              </a:lnSpc>
+              <a:spcBef>
+                <a:spcPts val="500"/>
+              </a:spcBef>
+              <a:buFont typeface="Arial" panose="020B0604020202020204" pitchFamily="34" charset="0"/>
+              <a:buChar char="•"/>
+              <a:defRPr sz="1800" kern="1200">
+                <a:solidFill>
+                  <a:schemeClr val="tx1"/>
+                </a:solidFill>
+                <a:latin typeface="+mn-lt"/>
+                <a:ea typeface="+mn-ea"/>
+                <a:cs typeface="+mn-cs"/>
+              </a:defRPr>
+            </a:lvl6pPr>
+            <a:lvl7pPr marL="2971800" indent="-228600" algn="l" defTabSz="914400" rtl="0" eaLnBrk="1" latinLnBrk="0" hangingPunct="1">
+              <a:lnSpc>
+                <a:spcPct val="90000"/>
+              </a:lnSpc>
+              <a:spcBef>
+                <a:spcPts val="500"/>
+              </a:spcBef>
+              <a:buFont typeface="Arial" panose="020B0604020202020204" pitchFamily="34" charset="0"/>
+              <a:buChar char="•"/>
+              <a:defRPr sz="1800" kern="1200">
+                <a:solidFill>
+                  <a:schemeClr val="tx1"/>
+                </a:solidFill>
+                <a:latin typeface="+mn-lt"/>
+                <a:ea typeface="+mn-ea"/>
+                <a:cs typeface="+mn-cs"/>
+              </a:defRPr>
+            </a:lvl7pPr>
+            <a:lvl8pPr marL="3429000" indent="-228600" algn="l" defTabSz="914400" rtl="0" eaLnBrk="1" latinLnBrk="0" hangingPunct="1">
+              <a:lnSpc>
+                <a:spcPct val="90000"/>
+              </a:lnSpc>
+              <a:spcBef>
+                <a:spcPts val="500"/>
+              </a:spcBef>
+              <a:buFont typeface="Arial" panose="020B0604020202020204" pitchFamily="34" charset="0"/>
+              <a:buChar char="•"/>
+              <a:defRPr sz="1800" kern="1200">
+                <a:solidFill>
+                  <a:schemeClr val="tx1"/>
+                </a:solidFill>
+                <a:latin typeface="+mn-lt"/>
+                <a:ea typeface="+mn-ea"/>
+                <a:cs typeface="+mn-cs"/>
+              </a:defRPr>
+            </a:lvl8pPr>
+            <a:lvl9pPr marL="3886200" indent="-228600" algn="l" defTabSz="914400" rtl="0" eaLnBrk="1" latinLnBrk="0" hangingPunct="1">
+              <a:lnSpc>
+                <a:spcPct val="90000"/>
+              </a:lnSpc>
+              <a:spcBef>
+                <a:spcPts val="500"/>
+              </a:spcBef>
+              <a:buFont typeface="Arial" panose="020B0604020202020204" pitchFamily="34" charset="0"/>
+              <a:buChar char="•"/>
+              <a:defRPr sz="1800" kern="1200">
+                <a:solidFill>
+                  <a:schemeClr val="tx1"/>
+                </a:solidFill>
+                <a:latin typeface="+mn-lt"/>
+                <a:ea typeface="+mn-ea"/>
+                <a:cs typeface="+mn-cs"/>
+              </a:defRPr>
+            </a:lvl9pPr>
+          </a:lstStyle>
+          <a:p>
+            <a:pPr>
+              <a:lnSpc>
+                <a:spcPct val="150000"/>
+              </a:lnSpc>
+            </a:pPr>
+            <a:r>
+              <a:rPr kumimoji="1" lang="en-US" altLang="zh-CN" b="1" u="sng" dirty="0"/>
+              <a:t>Weaknesses:</a:t>
+            </a:r>
+            <a:r>
+              <a:rPr kumimoji="1" lang="en-US" altLang="zh-CN" b="1" dirty="0"/>
+              <a:t> </a:t>
+            </a:r>
+          </a:p>
+          <a:p>
+            <a:pPr lvl="1">
+              <a:lnSpc>
+                <a:spcPct val="150000"/>
+              </a:lnSpc>
+            </a:pPr>
+            <a:r>
+              <a:rPr lang="en-US" altLang="zh-CN" sz="2600" dirty="0"/>
+              <a:t>Especially during this pandemic of Covid-19, our advice might be less effective affected by special policies. For example, it is very important for restaurants to provide take-out now and the importance of this aspect (given by regression tree) would increase to a much higher level. Because of the limitation of the data set, all the advice are only for reference under regular circumstances.</a:t>
+            </a:r>
+          </a:p>
+        </p:txBody>
+      </p:sp>
+    </p:spTree>
+    <p:extLst>
+      <p:ext uri="{BB962C8B-B14F-4D97-AF65-F5344CB8AC3E}">
+        <p14:creationId xmlns:p14="http://schemas.microsoft.com/office/powerpoint/2010/main" val="1688959589"/>
       </p:ext>
     </p:extLst>
   </p:cSld>
